--- a/docs/images.pptx
+++ b/docs/images.pptx
@@ -273,7 +273,7 @@
           <a:p>
             <a:fld id="{CA0EBE01-4B2B-A645-A42E-EFF2A256384A}" type="datetimeFigureOut">
               <a:rPr kumimoji="1" lang="zh-TW" altLang="en-US" smtClean="0"/>
-              <a:t>2024/7/21</a:t>
+              <a:t>2024/7/23</a:t>
             </a:fld>
             <a:endParaRPr kumimoji="1" lang="zh-TW" altLang="en-US"/>
           </a:p>
@@ -471,7 +471,7 @@
           <a:p>
             <a:fld id="{CA0EBE01-4B2B-A645-A42E-EFF2A256384A}" type="datetimeFigureOut">
               <a:rPr kumimoji="1" lang="zh-TW" altLang="en-US" smtClean="0"/>
-              <a:t>2024/7/21</a:t>
+              <a:t>2024/7/23</a:t>
             </a:fld>
             <a:endParaRPr kumimoji="1" lang="zh-TW" altLang="en-US"/>
           </a:p>
@@ -679,7 +679,7 @@
           <a:p>
             <a:fld id="{CA0EBE01-4B2B-A645-A42E-EFF2A256384A}" type="datetimeFigureOut">
               <a:rPr kumimoji="1" lang="zh-TW" altLang="en-US" smtClean="0"/>
-              <a:t>2024/7/21</a:t>
+              <a:t>2024/7/23</a:t>
             </a:fld>
             <a:endParaRPr kumimoji="1" lang="zh-TW" altLang="en-US"/>
           </a:p>
@@ -877,7 +877,7 @@
           <a:p>
             <a:fld id="{CA0EBE01-4B2B-A645-A42E-EFF2A256384A}" type="datetimeFigureOut">
               <a:rPr kumimoji="1" lang="zh-TW" altLang="en-US" smtClean="0"/>
-              <a:t>2024/7/21</a:t>
+              <a:t>2024/7/23</a:t>
             </a:fld>
             <a:endParaRPr kumimoji="1" lang="zh-TW" altLang="en-US"/>
           </a:p>
@@ -1152,7 +1152,7 @@
           <a:p>
             <a:fld id="{CA0EBE01-4B2B-A645-A42E-EFF2A256384A}" type="datetimeFigureOut">
               <a:rPr kumimoji="1" lang="zh-TW" altLang="en-US" smtClean="0"/>
-              <a:t>2024/7/21</a:t>
+              <a:t>2024/7/23</a:t>
             </a:fld>
             <a:endParaRPr kumimoji="1" lang="zh-TW" altLang="en-US"/>
           </a:p>
@@ -1417,7 +1417,7 @@
           <a:p>
             <a:fld id="{CA0EBE01-4B2B-A645-A42E-EFF2A256384A}" type="datetimeFigureOut">
               <a:rPr kumimoji="1" lang="zh-TW" altLang="en-US" smtClean="0"/>
-              <a:t>2024/7/21</a:t>
+              <a:t>2024/7/23</a:t>
             </a:fld>
             <a:endParaRPr kumimoji="1" lang="zh-TW" altLang="en-US"/>
           </a:p>
@@ -1829,7 +1829,7 @@
           <a:p>
             <a:fld id="{CA0EBE01-4B2B-A645-A42E-EFF2A256384A}" type="datetimeFigureOut">
               <a:rPr kumimoji="1" lang="zh-TW" altLang="en-US" smtClean="0"/>
-              <a:t>2024/7/21</a:t>
+              <a:t>2024/7/23</a:t>
             </a:fld>
             <a:endParaRPr kumimoji="1" lang="zh-TW" altLang="en-US"/>
           </a:p>
@@ -1970,7 +1970,7 @@
           <a:p>
             <a:fld id="{CA0EBE01-4B2B-A645-A42E-EFF2A256384A}" type="datetimeFigureOut">
               <a:rPr kumimoji="1" lang="zh-TW" altLang="en-US" smtClean="0"/>
-              <a:t>2024/7/21</a:t>
+              <a:t>2024/7/23</a:t>
             </a:fld>
             <a:endParaRPr kumimoji="1" lang="zh-TW" altLang="en-US"/>
           </a:p>
@@ -2083,7 +2083,7 @@
           <a:p>
             <a:fld id="{CA0EBE01-4B2B-A645-A42E-EFF2A256384A}" type="datetimeFigureOut">
               <a:rPr kumimoji="1" lang="zh-TW" altLang="en-US" smtClean="0"/>
-              <a:t>2024/7/21</a:t>
+              <a:t>2024/7/23</a:t>
             </a:fld>
             <a:endParaRPr kumimoji="1" lang="zh-TW" altLang="en-US"/>
           </a:p>
@@ -2394,7 +2394,7 @@
           <a:p>
             <a:fld id="{CA0EBE01-4B2B-A645-A42E-EFF2A256384A}" type="datetimeFigureOut">
               <a:rPr kumimoji="1" lang="zh-TW" altLang="en-US" smtClean="0"/>
-              <a:t>2024/7/21</a:t>
+              <a:t>2024/7/23</a:t>
             </a:fld>
             <a:endParaRPr kumimoji="1" lang="zh-TW" altLang="en-US"/>
           </a:p>
@@ -2682,7 +2682,7 @@
           <a:p>
             <a:fld id="{CA0EBE01-4B2B-A645-A42E-EFF2A256384A}" type="datetimeFigureOut">
               <a:rPr kumimoji="1" lang="zh-TW" altLang="en-US" smtClean="0"/>
-              <a:t>2024/7/21</a:t>
+              <a:t>2024/7/23</a:t>
             </a:fld>
             <a:endParaRPr kumimoji="1" lang="zh-TW" altLang="en-US"/>
           </a:p>
@@ -2923,7 +2923,7 @@
           <a:p>
             <a:fld id="{CA0EBE01-4B2B-A645-A42E-EFF2A256384A}" type="datetimeFigureOut">
               <a:rPr kumimoji="1" lang="zh-TW" altLang="en-US" smtClean="0"/>
-              <a:t>2024/7/21</a:t>
+              <a:t>2024/7/23</a:t>
             </a:fld>
             <a:endParaRPr kumimoji="1" lang="zh-TW" altLang="en-US"/>
           </a:p>
@@ -9923,10 +9923,10 @@
       </p:grpSpPr>
       <p:grpSp>
         <p:nvGrpSpPr>
-          <p:cNvPr id="39" name="群組 38">
+          <p:cNvPr id="2" name="群組 1">
             <a:extLst>
               <a:ext uri="{FF2B5EF4-FFF2-40B4-BE49-F238E27FC236}">
-                <a16:creationId xmlns:a16="http://schemas.microsoft.com/office/drawing/2014/main" id="{3A72BB2E-28BE-EF8B-DF24-566568A59686}"/>
+                <a16:creationId xmlns:a16="http://schemas.microsoft.com/office/drawing/2014/main" id="{63F56518-DD16-60B5-01EC-059741D8E7CF}"/>
               </a:ext>
             </a:extLst>
           </p:cNvPr>
@@ -9935,9 +9935,9 @@
         </p:nvGrpSpPr>
         <p:grpSpPr>
           <a:xfrm>
-            <a:off x="3510393" y="2904430"/>
-            <a:ext cx="5698885" cy="1294843"/>
-            <a:chOff x="3758871" y="3043578"/>
+            <a:off x="726496" y="1707001"/>
+            <a:ext cx="10739007" cy="2756142"/>
+            <a:chOff x="3510393" y="2904430"/>
             <a:chExt cx="5698885" cy="1294843"/>
           </a:xfrm>
         </p:grpSpPr>
@@ -9969,7 +9969,7 @@
           </p:blipFill>
           <p:spPr>
             <a:xfrm>
-              <a:off x="8162913" y="3043578"/>
+              <a:off x="7914435" y="2904430"/>
               <a:ext cx="1294843" cy="1294843"/>
             </a:xfrm>
             <a:prstGeom prst="rect">
@@ -10005,7 +10005,7 @@
           </p:blipFill>
           <p:spPr>
             <a:xfrm>
-              <a:off x="3758871" y="3233800"/>
+              <a:off x="3510393" y="3094652"/>
               <a:ext cx="914400" cy="914400"/>
             </a:xfrm>
             <a:prstGeom prst="rect">
@@ -10035,7 +10035,7 @@
           </p:blipFill>
           <p:spPr>
             <a:xfrm>
-              <a:off x="5979306" y="3176451"/>
+              <a:off x="5730828" y="3037303"/>
               <a:ext cx="1029101" cy="1029101"/>
             </a:xfrm>
             <a:prstGeom prst="rect">
@@ -10059,7 +10059,7 @@
           </p:nvCxnSpPr>
           <p:spPr>
             <a:xfrm>
-              <a:off x="4673271" y="3691000"/>
+              <a:off x="4424793" y="3551852"/>
               <a:ext cx="1166941" cy="0"/>
             </a:xfrm>
             <a:prstGeom prst="straightConnector1">
@@ -10103,7 +10103,7 @@
           </p:nvCxnSpPr>
           <p:spPr>
             <a:xfrm>
-              <a:off x="7106203" y="3691000"/>
+              <a:off x="6857725" y="3551852"/>
               <a:ext cx="1166941" cy="0"/>
             </a:xfrm>
             <a:prstGeom prst="straightConnector1">
@@ -10176,8 +10176,8 @@
         </p:nvGrpSpPr>
         <p:grpSpPr>
           <a:xfrm>
-            <a:off x="2787178" y="2621832"/>
-            <a:ext cx="7094822" cy="1797579"/>
+            <a:off x="963603" y="1021633"/>
+            <a:ext cx="10264794" cy="3071396"/>
             <a:chOff x="2787178" y="2621832"/>
             <a:chExt cx="7094822" cy="1797579"/>
           </a:xfrm>
@@ -10525,8 +10525,8 @@
         </p:nvGrpSpPr>
         <p:grpSpPr>
           <a:xfrm>
-            <a:off x="3450758" y="1873044"/>
-            <a:ext cx="5848872" cy="3340021"/>
+            <a:off x="2645215" y="1350530"/>
+            <a:ext cx="7434956" cy="4745470"/>
             <a:chOff x="3758871" y="2071827"/>
             <a:chExt cx="5848872" cy="3340021"/>
           </a:xfrm>
@@ -10929,8 +10929,8 @@
         </p:nvGrpSpPr>
         <p:grpSpPr>
           <a:xfrm>
-            <a:off x="3351367" y="1895522"/>
-            <a:ext cx="5848872" cy="2907930"/>
+            <a:off x="1642309" y="1046437"/>
+            <a:ext cx="8470519" cy="4766534"/>
             <a:chOff x="3619724" y="1975035"/>
             <a:chExt cx="5848872" cy="2907930"/>
           </a:xfrm>

--- a/docs/images.pptx
+++ b/docs/images.pptx
@@ -273,7 +273,7 @@
           <a:p>
             <a:fld id="{CA0EBE01-4B2B-A645-A42E-EFF2A256384A}" type="datetimeFigureOut">
               <a:rPr kumimoji="1" lang="zh-TW" altLang="en-US" smtClean="0"/>
-              <a:t>2024/7/23</a:t>
+              <a:t>2024/7/24</a:t>
             </a:fld>
             <a:endParaRPr kumimoji="1" lang="zh-TW" altLang="en-US"/>
           </a:p>
@@ -471,7 +471,7 @@
           <a:p>
             <a:fld id="{CA0EBE01-4B2B-A645-A42E-EFF2A256384A}" type="datetimeFigureOut">
               <a:rPr kumimoji="1" lang="zh-TW" altLang="en-US" smtClean="0"/>
-              <a:t>2024/7/23</a:t>
+              <a:t>2024/7/24</a:t>
             </a:fld>
             <a:endParaRPr kumimoji="1" lang="zh-TW" altLang="en-US"/>
           </a:p>
@@ -679,7 +679,7 @@
           <a:p>
             <a:fld id="{CA0EBE01-4B2B-A645-A42E-EFF2A256384A}" type="datetimeFigureOut">
               <a:rPr kumimoji="1" lang="zh-TW" altLang="en-US" smtClean="0"/>
-              <a:t>2024/7/23</a:t>
+              <a:t>2024/7/24</a:t>
             </a:fld>
             <a:endParaRPr kumimoji="1" lang="zh-TW" altLang="en-US"/>
           </a:p>
@@ -877,7 +877,7 @@
           <a:p>
             <a:fld id="{CA0EBE01-4B2B-A645-A42E-EFF2A256384A}" type="datetimeFigureOut">
               <a:rPr kumimoji="1" lang="zh-TW" altLang="en-US" smtClean="0"/>
-              <a:t>2024/7/23</a:t>
+              <a:t>2024/7/24</a:t>
             </a:fld>
             <a:endParaRPr kumimoji="1" lang="zh-TW" altLang="en-US"/>
           </a:p>
@@ -1152,7 +1152,7 @@
           <a:p>
             <a:fld id="{CA0EBE01-4B2B-A645-A42E-EFF2A256384A}" type="datetimeFigureOut">
               <a:rPr kumimoji="1" lang="zh-TW" altLang="en-US" smtClean="0"/>
-              <a:t>2024/7/23</a:t>
+              <a:t>2024/7/24</a:t>
             </a:fld>
             <a:endParaRPr kumimoji="1" lang="zh-TW" altLang="en-US"/>
           </a:p>
@@ -1417,7 +1417,7 @@
           <a:p>
             <a:fld id="{CA0EBE01-4B2B-A645-A42E-EFF2A256384A}" type="datetimeFigureOut">
               <a:rPr kumimoji="1" lang="zh-TW" altLang="en-US" smtClean="0"/>
-              <a:t>2024/7/23</a:t>
+              <a:t>2024/7/24</a:t>
             </a:fld>
             <a:endParaRPr kumimoji="1" lang="zh-TW" altLang="en-US"/>
           </a:p>
@@ -1829,7 +1829,7 @@
           <a:p>
             <a:fld id="{CA0EBE01-4B2B-A645-A42E-EFF2A256384A}" type="datetimeFigureOut">
               <a:rPr kumimoji="1" lang="zh-TW" altLang="en-US" smtClean="0"/>
-              <a:t>2024/7/23</a:t>
+              <a:t>2024/7/24</a:t>
             </a:fld>
             <a:endParaRPr kumimoji="1" lang="zh-TW" altLang="en-US"/>
           </a:p>
@@ -1970,7 +1970,7 @@
           <a:p>
             <a:fld id="{CA0EBE01-4B2B-A645-A42E-EFF2A256384A}" type="datetimeFigureOut">
               <a:rPr kumimoji="1" lang="zh-TW" altLang="en-US" smtClean="0"/>
-              <a:t>2024/7/23</a:t>
+              <a:t>2024/7/24</a:t>
             </a:fld>
             <a:endParaRPr kumimoji="1" lang="zh-TW" altLang="en-US"/>
           </a:p>
@@ -2083,7 +2083,7 @@
           <a:p>
             <a:fld id="{CA0EBE01-4B2B-A645-A42E-EFF2A256384A}" type="datetimeFigureOut">
               <a:rPr kumimoji="1" lang="zh-TW" altLang="en-US" smtClean="0"/>
-              <a:t>2024/7/23</a:t>
+              <a:t>2024/7/24</a:t>
             </a:fld>
             <a:endParaRPr kumimoji="1" lang="zh-TW" altLang="en-US"/>
           </a:p>
@@ -2394,7 +2394,7 @@
           <a:p>
             <a:fld id="{CA0EBE01-4B2B-A645-A42E-EFF2A256384A}" type="datetimeFigureOut">
               <a:rPr kumimoji="1" lang="zh-TW" altLang="en-US" smtClean="0"/>
-              <a:t>2024/7/23</a:t>
+              <a:t>2024/7/24</a:t>
             </a:fld>
             <a:endParaRPr kumimoji="1" lang="zh-TW" altLang="en-US"/>
           </a:p>
@@ -2682,7 +2682,7 @@
           <a:p>
             <a:fld id="{CA0EBE01-4B2B-A645-A42E-EFF2A256384A}" type="datetimeFigureOut">
               <a:rPr kumimoji="1" lang="zh-TW" altLang="en-US" smtClean="0"/>
-              <a:t>2024/7/23</a:t>
+              <a:t>2024/7/24</a:t>
             </a:fld>
             <a:endParaRPr kumimoji="1" lang="zh-TW" altLang="en-US"/>
           </a:p>
@@ -2923,7 +2923,7 @@
           <a:p>
             <a:fld id="{CA0EBE01-4B2B-A645-A42E-EFF2A256384A}" type="datetimeFigureOut">
               <a:rPr kumimoji="1" lang="zh-TW" altLang="en-US" smtClean="0"/>
-              <a:t>2024/7/23</a:t>
+              <a:t>2024/7/24</a:t>
             </a:fld>
             <a:endParaRPr kumimoji="1" lang="zh-TW" altLang="en-US"/>
           </a:p>
@@ -10917,10 +10917,10 @@
       </p:grpSpPr>
       <p:grpSp>
         <p:nvGrpSpPr>
-          <p:cNvPr id="51" name="群組 50">
+          <p:cNvPr id="2" name="群組 1">
             <a:extLst>
               <a:ext uri="{FF2B5EF4-FFF2-40B4-BE49-F238E27FC236}">
-                <a16:creationId xmlns:a16="http://schemas.microsoft.com/office/drawing/2014/main" id="{A0CA62FA-E596-6552-F0CD-534C93274B19}"/>
+                <a16:creationId xmlns:a16="http://schemas.microsoft.com/office/drawing/2014/main" id="{D4020E2C-3F83-E5DA-0823-190445E5B3D4}"/>
               </a:ext>
             </a:extLst>
           </p:cNvPr>
@@ -10929,7 +10929,7 @@
         </p:nvGrpSpPr>
         <p:grpSpPr>
           <a:xfrm>
-            <a:off x="1642309" y="1046437"/>
+            <a:off x="1794709" y="1198837"/>
             <a:ext cx="8470519" cy="4766534"/>
             <a:chOff x="3619724" y="1975035"/>
             <a:chExt cx="5848872" cy="2907930"/>
@@ -10937,10 +10937,10 @@
         </p:grpSpPr>
         <p:grpSp>
           <p:nvGrpSpPr>
-            <p:cNvPr id="25" name="群組 24">
+            <p:cNvPr id="3" name="群組 2">
               <a:extLst>
                 <a:ext uri="{FF2B5EF4-FFF2-40B4-BE49-F238E27FC236}">
-                  <a16:creationId xmlns:a16="http://schemas.microsoft.com/office/drawing/2014/main" id="{C02E5467-7E0F-42DB-DA6D-EAE97852AF47}"/>
+                  <a16:creationId xmlns:a16="http://schemas.microsoft.com/office/drawing/2014/main" id="{3A5A509D-C1DA-BF9D-94D4-4D9C1DF78E7D}"/>
                 </a:ext>
               </a:extLst>
             </p:cNvPr>
@@ -10960,10 +10960,10 @@
           </p:grpSpPr>
           <p:sp>
             <p:nvSpPr>
-              <p:cNvPr id="7" name="立方體 6">
+              <p:cNvPr id="15" name="立方體 14">
                 <a:extLst>
                   <a:ext uri="{FF2B5EF4-FFF2-40B4-BE49-F238E27FC236}">
-                    <a16:creationId xmlns:a16="http://schemas.microsoft.com/office/drawing/2014/main" id="{8FE35ABE-8A1C-3634-A32C-E2E395AFD2F7}"/>
+                    <a16:creationId xmlns:a16="http://schemas.microsoft.com/office/drawing/2014/main" id="{CB998E31-2F4D-387D-EB4E-D9FA5572B592}"/>
                   </a:ext>
                 </a:extLst>
               </p:cNvPr>
@@ -11012,10 +11012,10 @@
           </p:sp>
           <p:sp>
             <p:nvSpPr>
-              <p:cNvPr id="8" name="立方體 7">
+              <p:cNvPr id="16" name="立方體 15">
                 <a:extLst>
                   <a:ext uri="{FF2B5EF4-FFF2-40B4-BE49-F238E27FC236}">
-                    <a16:creationId xmlns:a16="http://schemas.microsoft.com/office/drawing/2014/main" id="{2F4F3E07-B9FA-AE4F-383C-EA354DCF9E6D}"/>
+                    <a16:creationId xmlns:a16="http://schemas.microsoft.com/office/drawing/2014/main" id="{7601C126-1B79-DAE8-1360-4BE448E1CFA7}"/>
                   </a:ext>
                 </a:extLst>
               </p:cNvPr>
@@ -11064,10 +11064,10 @@
           </p:sp>
           <p:sp>
             <p:nvSpPr>
-              <p:cNvPr id="9" name="立方體 8">
+              <p:cNvPr id="17" name="立方體 16">
                 <a:extLst>
                   <a:ext uri="{FF2B5EF4-FFF2-40B4-BE49-F238E27FC236}">
-                    <a16:creationId xmlns:a16="http://schemas.microsoft.com/office/drawing/2014/main" id="{14C57ABB-2CA9-92F5-5835-3AC61A970AD0}"/>
+                    <a16:creationId xmlns:a16="http://schemas.microsoft.com/office/drawing/2014/main" id="{DC01CA52-6DC1-EB44-2D43-38E3C95142BE}"/>
                   </a:ext>
                 </a:extLst>
               </p:cNvPr>
@@ -11116,10 +11116,10 @@
           </p:sp>
           <p:sp>
             <p:nvSpPr>
-              <p:cNvPr id="10" name="立方體 9">
+              <p:cNvPr id="18" name="立方體 17">
                 <a:extLst>
                   <a:ext uri="{FF2B5EF4-FFF2-40B4-BE49-F238E27FC236}">
-                    <a16:creationId xmlns:a16="http://schemas.microsoft.com/office/drawing/2014/main" id="{4FD3F179-98C0-4650-4842-2FBBF46BB607}"/>
+                    <a16:creationId xmlns:a16="http://schemas.microsoft.com/office/drawing/2014/main" id="{DD5E9D83-0910-6DD2-6CFE-2980FBD28ADC}"/>
                   </a:ext>
                 </a:extLst>
               </p:cNvPr>
@@ -11168,17 +11168,17 @@
           </p:sp>
           <p:cxnSp>
             <p:nvCxnSpPr>
-              <p:cNvPr id="19" name="直線接點 18">
+              <p:cNvPr id="20" name="直線接點 19">
                 <a:extLst>
                   <a:ext uri="{FF2B5EF4-FFF2-40B4-BE49-F238E27FC236}">
-                    <a16:creationId xmlns:a16="http://schemas.microsoft.com/office/drawing/2014/main" id="{84766198-8C13-D6B5-60AA-289AB9829949}"/>
+                    <a16:creationId xmlns:a16="http://schemas.microsoft.com/office/drawing/2014/main" id="{937D5AB2-443F-F1F8-0259-31393957BE12}"/>
                   </a:ext>
                 </a:extLst>
               </p:cNvPr>
               <p:cNvCxnSpPr>
                 <a:cxnSpLocks/>
-                <a:stCxn id="7" idx="4"/>
-                <a:endCxn id="8" idx="2"/>
+                <a:stCxn id="15" idx="4"/>
+                <a:endCxn id="16" idx="2"/>
               </p:cNvCxnSpPr>
               <p:nvPr/>
             </p:nvCxnSpPr>
@@ -11214,10 +11214,10 @@
           </p:cxnSp>
           <p:cxnSp>
             <p:nvCxnSpPr>
-              <p:cNvPr id="22" name="直線接點 21">
+              <p:cNvPr id="21" name="直線接點 20">
                 <a:extLst>
                   <a:ext uri="{FF2B5EF4-FFF2-40B4-BE49-F238E27FC236}">
-                    <a16:creationId xmlns:a16="http://schemas.microsoft.com/office/drawing/2014/main" id="{9DA1E0AA-5347-3771-15C6-A0D5773B78D4}"/>
+                    <a16:creationId xmlns:a16="http://schemas.microsoft.com/office/drawing/2014/main" id="{5CC6FFAC-453F-00CA-D21A-B804415535E8}"/>
                   </a:ext>
                 </a:extLst>
               </p:cNvPr>
@@ -11258,10 +11258,10 @@
           </p:cxnSp>
           <p:cxnSp>
             <p:nvCxnSpPr>
-              <p:cNvPr id="23" name="直線接點 22">
+              <p:cNvPr id="24" name="直線接點 23">
                 <a:extLst>
                   <a:ext uri="{FF2B5EF4-FFF2-40B4-BE49-F238E27FC236}">
-                    <a16:creationId xmlns:a16="http://schemas.microsoft.com/office/drawing/2014/main" id="{8A77E912-80EC-1AAC-FCA9-FF53EE1936CB}"/>
+                    <a16:creationId xmlns:a16="http://schemas.microsoft.com/office/drawing/2014/main" id="{2589D111-34AA-3826-E587-CB0AB4509719}"/>
                   </a:ext>
                 </a:extLst>
               </p:cNvPr>
@@ -11303,10 +11303,10 @@
         </p:grpSp>
         <p:pic>
           <p:nvPicPr>
-            <p:cNvPr id="36" name="圖形 35" descr="資料庫 以實心填滿">
+            <p:cNvPr id="4" name="圖形 3" descr="資料庫 以實心填滿">
               <a:extLst>
                 <a:ext uri="{FF2B5EF4-FFF2-40B4-BE49-F238E27FC236}">
-                  <a16:creationId xmlns:a16="http://schemas.microsoft.com/office/drawing/2014/main" id="{5D4E3E5D-095F-E2F9-EE2F-0DB9C36EAB9A}"/>
+                  <a16:creationId xmlns:a16="http://schemas.microsoft.com/office/drawing/2014/main" id="{B15A8B23-99E7-2829-9ACE-1864EC910F25}"/>
                 </a:ext>
               </a:extLst>
             </p:cNvPr>
@@ -11339,10 +11339,10 @@
         </p:pic>
         <p:pic>
           <p:nvPicPr>
-            <p:cNvPr id="37" name="圖形 36" descr="使用者 以實心填滿">
+            <p:cNvPr id="5" name="圖形 4" descr="使用者 以實心填滿">
               <a:extLst>
                 <a:ext uri="{FF2B5EF4-FFF2-40B4-BE49-F238E27FC236}">
-                  <a16:creationId xmlns:a16="http://schemas.microsoft.com/office/drawing/2014/main" id="{E1781EF5-4495-CD06-D158-8EEB7DB1A548}"/>
+                  <a16:creationId xmlns:a16="http://schemas.microsoft.com/office/drawing/2014/main" id="{2B5EDBB2-BA46-5BE1-4BDD-51277DD46E17}"/>
                 </a:ext>
               </a:extLst>
             </p:cNvPr>
@@ -11375,10 +11375,10 @@
         </p:pic>
         <p:pic>
           <p:nvPicPr>
-            <p:cNvPr id="38" name="圖片 37">
+            <p:cNvPr id="6" name="圖片 5">
               <a:extLst>
                 <a:ext uri="{FF2B5EF4-FFF2-40B4-BE49-F238E27FC236}">
-                  <a16:creationId xmlns:a16="http://schemas.microsoft.com/office/drawing/2014/main" id="{3E0875B6-BA43-4C5E-9A87-D22637B39DE4}"/>
+                  <a16:creationId xmlns:a16="http://schemas.microsoft.com/office/drawing/2014/main" id="{E3AACECD-035F-220B-0B44-2088CF22702E}"/>
                 </a:ext>
               </a:extLst>
             </p:cNvPr>
@@ -11405,10 +11405,10 @@
         </p:pic>
         <p:cxnSp>
           <p:nvCxnSpPr>
-            <p:cNvPr id="39" name="直線箭頭接點 38">
+            <p:cNvPr id="11" name="直線箭頭接點 10">
               <a:extLst>
                 <a:ext uri="{FF2B5EF4-FFF2-40B4-BE49-F238E27FC236}">
-                  <a16:creationId xmlns:a16="http://schemas.microsoft.com/office/drawing/2014/main" id="{6C97F40B-0B7C-8A37-E9F0-6A64D5E7445E}"/>
+                  <a16:creationId xmlns:a16="http://schemas.microsoft.com/office/drawing/2014/main" id="{73B16A41-5D34-8B54-8CD5-204D8DA90301}"/>
                 </a:ext>
               </a:extLst>
             </p:cNvPr>
@@ -11449,10 +11449,10 @@
         </p:cxnSp>
         <p:cxnSp>
           <p:nvCxnSpPr>
-            <p:cNvPr id="43" name="直線箭頭接點 42">
+            <p:cNvPr id="12" name="直線箭頭接點 11">
               <a:extLst>
                 <a:ext uri="{FF2B5EF4-FFF2-40B4-BE49-F238E27FC236}">
-                  <a16:creationId xmlns:a16="http://schemas.microsoft.com/office/drawing/2014/main" id="{403F0A3A-A9AB-5856-F044-E2302DD8F347}"/>
+                  <a16:creationId xmlns:a16="http://schemas.microsoft.com/office/drawing/2014/main" id="{69357650-848A-1ACD-73DB-55A65C1D61A1}"/>
                 </a:ext>
               </a:extLst>
             </p:cNvPr>
@@ -11493,10 +11493,10 @@
         </p:cxnSp>
         <p:cxnSp>
           <p:nvCxnSpPr>
-            <p:cNvPr id="44" name="直線箭頭接點 43">
+            <p:cNvPr id="13" name="直線箭頭接點 12">
               <a:extLst>
                 <a:ext uri="{FF2B5EF4-FFF2-40B4-BE49-F238E27FC236}">
-                  <a16:creationId xmlns:a16="http://schemas.microsoft.com/office/drawing/2014/main" id="{B3FA1655-7620-B3DC-CBC8-A412D82A9D82}"/>
+                  <a16:creationId xmlns:a16="http://schemas.microsoft.com/office/drawing/2014/main" id="{D5F3DFC3-01CE-2DC5-3427-3D6FB8E131D4}"/>
                 </a:ext>
               </a:extLst>
             </p:cNvPr>
@@ -11538,10 +11538,10 @@
         </p:cxnSp>
         <p:cxnSp>
           <p:nvCxnSpPr>
-            <p:cNvPr id="46" name="直線箭頭接點 45">
+            <p:cNvPr id="14" name="直線箭頭接點 13">
               <a:extLst>
                 <a:ext uri="{FF2B5EF4-FFF2-40B4-BE49-F238E27FC236}">
-                  <a16:creationId xmlns:a16="http://schemas.microsoft.com/office/drawing/2014/main" id="{3D542C92-8E5F-3B1D-C766-3368D1109047}"/>
+                  <a16:creationId xmlns:a16="http://schemas.microsoft.com/office/drawing/2014/main" id="{28033766-175F-2F9D-7854-DBE4B529BE12}"/>
                 </a:ext>
               </a:extLst>
             </p:cNvPr>

--- a/docs/images.pptx
+++ b/docs/images.pptx
@@ -20,6 +20,8 @@
     <p:sldId id="268" r:id="rId14"/>
     <p:sldId id="267" r:id="rId15"/>
     <p:sldId id="269" r:id="rId16"/>
+    <p:sldId id="274" r:id="rId17"/>
+    <p:sldId id="275" r:id="rId18"/>
   </p:sldIdLst>
   <p:sldSz cx="12192000" cy="6858000"/>
   <p:notesSz cx="6858000" cy="9144000"/>
@@ -273,7 +275,7 @@
           <a:p>
             <a:fld id="{CA0EBE01-4B2B-A645-A42E-EFF2A256384A}" type="datetimeFigureOut">
               <a:rPr kumimoji="1" lang="zh-TW" altLang="en-US" smtClean="0"/>
-              <a:t>2024/7/24</a:t>
+              <a:t>2024/8/3</a:t>
             </a:fld>
             <a:endParaRPr kumimoji="1" lang="zh-TW" altLang="en-US"/>
           </a:p>
@@ -471,7 +473,7 @@
           <a:p>
             <a:fld id="{CA0EBE01-4B2B-A645-A42E-EFF2A256384A}" type="datetimeFigureOut">
               <a:rPr kumimoji="1" lang="zh-TW" altLang="en-US" smtClean="0"/>
-              <a:t>2024/7/24</a:t>
+              <a:t>2024/8/3</a:t>
             </a:fld>
             <a:endParaRPr kumimoji="1" lang="zh-TW" altLang="en-US"/>
           </a:p>
@@ -679,7 +681,7 @@
           <a:p>
             <a:fld id="{CA0EBE01-4B2B-A645-A42E-EFF2A256384A}" type="datetimeFigureOut">
               <a:rPr kumimoji="1" lang="zh-TW" altLang="en-US" smtClean="0"/>
-              <a:t>2024/7/24</a:t>
+              <a:t>2024/8/3</a:t>
             </a:fld>
             <a:endParaRPr kumimoji="1" lang="zh-TW" altLang="en-US"/>
           </a:p>
@@ -877,7 +879,7 @@
           <a:p>
             <a:fld id="{CA0EBE01-4B2B-A645-A42E-EFF2A256384A}" type="datetimeFigureOut">
               <a:rPr kumimoji="1" lang="zh-TW" altLang="en-US" smtClean="0"/>
-              <a:t>2024/7/24</a:t>
+              <a:t>2024/8/3</a:t>
             </a:fld>
             <a:endParaRPr kumimoji="1" lang="zh-TW" altLang="en-US"/>
           </a:p>
@@ -1152,7 +1154,7 @@
           <a:p>
             <a:fld id="{CA0EBE01-4B2B-A645-A42E-EFF2A256384A}" type="datetimeFigureOut">
               <a:rPr kumimoji="1" lang="zh-TW" altLang="en-US" smtClean="0"/>
-              <a:t>2024/7/24</a:t>
+              <a:t>2024/8/3</a:t>
             </a:fld>
             <a:endParaRPr kumimoji="1" lang="zh-TW" altLang="en-US"/>
           </a:p>
@@ -1417,7 +1419,7 @@
           <a:p>
             <a:fld id="{CA0EBE01-4B2B-A645-A42E-EFF2A256384A}" type="datetimeFigureOut">
               <a:rPr kumimoji="1" lang="zh-TW" altLang="en-US" smtClean="0"/>
-              <a:t>2024/7/24</a:t>
+              <a:t>2024/8/3</a:t>
             </a:fld>
             <a:endParaRPr kumimoji="1" lang="zh-TW" altLang="en-US"/>
           </a:p>
@@ -1829,7 +1831,7 @@
           <a:p>
             <a:fld id="{CA0EBE01-4B2B-A645-A42E-EFF2A256384A}" type="datetimeFigureOut">
               <a:rPr kumimoji="1" lang="zh-TW" altLang="en-US" smtClean="0"/>
-              <a:t>2024/7/24</a:t>
+              <a:t>2024/8/3</a:t>
             </a:fld>
             <a:endParaRPr kumimoji="1" lang="zh-TW" altLang="en-US"/>
           </a:p>
@@ -1970,7 +1972,7 @@
           <a:p>
             <a:fld id="{CA0EBE01-4B2B-A645-A42E-EFF2A256384A}" type="datetimeFigureOut">
               <a:rPr kumimoji="1" lang="zh-TW" altLang="en-US" smtClean="0"/>
-              <a:t>2024/7/24</a:t>
+              <a:t>2024/8/3</a:t>
             </a:fld>
             <a:endParaRPr kumimoji="1" lang="zh-TW" altLang="en-US"/>
           </a:p>
@@ -2083,7 +2085,7 @@
           <a:p>
             <a:fld id="{CA0EBE01-4B2B-A645-A42E-EFF2A256384A}" type="datetimeFigureOut">
               <a:rPr kumimoji="1" lang="zh-TW" altLang="en-US" smtClean="0"/>
-              <a:t>2024/7/24</a:t>
+              <a:t>2024/8/3</a:t>
             </a:fld>
             <a:endParaRPr kumimoji="1" lang="zh-TW" altLang="en-US"/>
           </a:p>
@@ -2394,7 +2396,7 @@
           <a:p>
             <a:fld id="{CA0EBE01-4B2B-A645-A42E-EFF2A256384A}" type="datetimeFigureOut">
               <a:rPr kumimoji="1" lang="zh-TW" altLang="en-US" smtClean="0"/>
-              <a:t>2024/7/24</a:t>
+              <a:t>2024/8/3</a:t>
             </a:fld>
             <a:endParaRPr kumimoji="1" lang="zh-TW" altLang="en-US"/>
           </a:p>
@@ -2682,7 +2684,7 @@
           <a:p>
             <a:fld id="{CA0EBE01-4B2B-A645-A42E-EFF2A256384A}" type="datetimeFigureOut">
               <a:rPr kumimoji="1" lang="zh-TW" altLang="en-US" smtClean="0"/>
-              <a:t>2024/7/24</a:t>
+              <a:t>2024/8/3</a:t>
             </a:fld>
             <a:endParaRPr kumimoji="1" lang="zh-TW" altLang="en-US"/>
           </a:p>
@@ -2923,7 +2925,7 @@
           <a:p>
             <a:fld id="{CA0EBE01-4B2B-A645-A42E-EFF2A256384A}" type="datetimeFigureOut">
               <a:rPr kumimoji="1" lang="zh-TW" altLang="en-US" smtClean="0"/>
-              <a:t>2024/7/24</a:t>
+              <a:t>2024/8/3</a:t>
             </a:fld>
             <a:endParaRPr kumimoji="1" lang="zh-TW" altLang="en-US"/>
           </a:p>
@@ -9891,10 +9893,2651 @@
           <a:chExt cx="0" cy="0"/>
         </a:xfrm>
       </p:grpSpPr>
+      <p:grpSp>
+        <p:nvGrpSpPr>
+          <p:cNvPr id="8" name="群組 7">
+            <a:extLst>
+              <a:ext uri="{FF2B5EF4-FFF2-40B4-BE49-F238E27FC236}">
+                <a16:creationId xmlns:a16="http://schemas.microsoft.com/office/drawing/2014/main" id="{5F5B7A16-655C-350C-D4A6-8470974457E9}"/>
+              </a:ext>
+            </a:extLst>
+          </p:cNvPr>
+          <p:cNvGrpSpPr/>
+          <p:nvPr/>
+        </p:nvGrpSpPr>
+        <p:grpSpPr>
+          <a:xfrm>
+            <a:off x="2195623" y="2917105"/>
+            <a:ext cx="8241825" cy="1888725"/>
+            <a:chOff x="2581105" y="2845387"/>
+            <a:chExt cx="8241825" cy="1888725"/>
+          </a:xfrm>
+        </p:grpSpPr>
+        <p:pic>
+          <p:nvPicPr>
+            <p:cNvPr id="2" name="圖形 1" descr="使用者 以實心填滿">
+              <a:extLst>
+                <a:ext uri="{FF2B5EF4-FFF2-40B4-BE49-F238E27FC236}">
+                  <a16:creationId xmlns:a16="http://schemas.microsoft.com/office/drawing/2014/main" id="{0F06CD3D-400A-1C2F-A8EC-0E458C90D96D}"/>
+                </a:ext>
+              </a:extLst>
+            </p:cNvPr>
+            <p:cNvPicPr>
+              <a:picLocks noChangeAspect="1"/>
+            </p:cNvPicPr>
+            <p:nvPr/>
+          </p:nvPicPr>
+          <p:blipFill>
+            <a:blip r:embed="rId2">
+              <a:extLst>
+                <a:ext uri="{96DAC541-7B7A-43D3-8B79-37D633B846F1}">
+                  <asvg:svgBlip xmlns:asvg="http://schemas.microsoft.com/office/drawing/2016/SVG/main" r:embed="rId3"/>
+                </a:ext>
+              </a:extLst>
+            </a:blip>
+            <a:stretch>
+              <a:fillRect/>
+            </a:stretch>
+          </p:blipFill>
+          <p:spPr>
+            <a:xfrm>
+              <a:off x="2581105" y="3077179"/>
+              <a:ext cx="1313688" cy="1477546"/>
+            </a:xfrm>
+            <a:prstGeom prst="rect">
+              <a:avLst/>
+            </a:prstGeom>
+          </p:spPr>
+        </p:pic>
+        <p:pic>
+          <p:nvPicPr>
+            <p:cNvPr id="3" name="圖片 2">
+              <a:extLst>
+                <a:ext uri="{FF2B5EF4-FFF2-40B4-BE49-F238E27FC236}">
+                  <a16:creationId xmlns:a16="http://schemas.microsoft.com/office/drawing/2014/main" id="{8570C37D-3FA6-5C41-2001-4E4344A02E3F}"/>
+                </a:ext>
+              </a:extLst>
+            </p:cNvPr>
+            <p:cNvPicPr>
+              <a:picLocks noChangeAspect="1"/>
+            </p:cNvPicPr>
+            <p:nvPr/>
+          </p:nvPicPr>
+          <p:blipFill>
+            <a:blip r:embed="rId4"/>
+            <a:stretch>
+              <a:fillRect/>
+            </a:stretch>
+          </p:blipFill>
+          <p:spPr>
+            <a:xfrm>
+              <a:off x="9018483" y="2845387"/>
+              <a:ext cx="1804447" cy="1804447"/>
+            </a:xfrm>
+            <a:prstGeom prst="rect">
+              <a:avLst/>
+            </a:prstGeom>
+          </p:spPr>
+        </p:pic>
+        <p:sp>
+          <p:nvSpPr>
+            <p:cNvPr id="4" name="向右箭號 3">
+              <a:extLst>
+                <a:ext uri="{FF2B5EF4-FFF2-40B4-BE49-F238E27FC236}">
+                  <a16:creationId xmlns:a16="http://schemas.microsoft.com/office/drawing/2014/main" id="{E483289F-0393-BDD2-6B9A-C5A8CD6B56D9}"/>
+                </a:ext>
+              </a:extLst>
+            </p:cNvPr>
+            <p:cNvSpPr/>
+            <p:nvPr/>
+          </p:nvSpPr>
+          <p:spPr>
+            <a:xfrm>
+              <a:off x="3979377" y="3682475"/>
+              <a:ext cx="4837176" cy="266954"/>
+            </a:xfrm>
+            <a:prstGeom prst="rightArrow">
+              <a:avLst/>
+            </a:prstGeom>
+            <a:noFill/>
+            <a:ln w="28575"/>
+          </p:spPr>
+          <p:style>
+            <a:lnRef idx="2">
+              <a:schemeClr val="accent1">
+                <a:shade val="15000"/>
+              </a:schemeClr>
+            </a:lnRef>
+            <a:fillRef idx="1">
+              <a:schemeClr val="accent1"/>
+            </a:fillRef>
+            <a:effectRef idx="0">
+              <a:schemeClr val="accent1"/>
+            </a:effectRef>
+            <a:fontRef idx="minor">
+              <a:schemeClr val="lt1"/>
+            </a:fontRef>
+          </p:style>
+          <p:txBody>
+            <a:bodyPr rtlCol="0" anchor="ctr"/>
+            <a:lstStyle/>
+            <a:p>
+              <a:pPr algn="ctr"/>
+              <a:endParaRPr kumimoji="1" lang="zh-TW" altLang="en-US"/>
+            </a:p>
+          </p:txBody>
+        </p:sp>
+        <p:sp>
+          <p:nvSpPr>
+            <p:cNvPr id="5" name="文字方塊 4">
+              <a:extLst>
+                <a:ext uri="{FF2B5EF4-FFF2-40B4-BE49-F238E27FC236}">
+                  <a16:creationId xmlns:a16="http://schemas.microsoft.com/office/drawing/2014/main" id="{D351B287-23BC-2988-C1C9-A39ED2A680E9}"/>
+                </a:ext>
+              </a:extLst>
+            </p:cNvPr>
+            <p:cNvSpPr txBox="1"/>
+            <p:nvPr/>
+          </p:nvSpPr>
+          <p:spPr>
+            <a:xfrm>
+              <a:off x="2581105" y="4364780"/>
+              <a:ext cx="1343766" cy="369332"/>
+            </a:xfrm>
+            <a:prstGeom prst="rect">
+              <a:avLst/>
+            </a:prstGeom>
+            <a:noFill/>
+          </p:spPr>
+          <p:txBody>
+            <a:bodyPr wrap="none" rtlCol="0">
+              <a:spAutoFit/>
+            </a:bodyPr>
+            <a:lstStyle/>
+            <a:p>
+              <a:r>
+                <a:rPr kumimoji="1" lang="en-US" altLang="zh-TW" dirty="0"/>
+                <a:t>Local Device</a:t>
+              </a:r>
+              <a:endParaRPr kumimoji="1" lang="zh-TW" altLang="en-US" dirty="0"/>
+            </a:p>
+          </p:txBody>
+        </p:sp>
+        <p:sp>
+          <p:nvSpPr>
+            <p:cNvPr id="6" name="文字方塊 5">
+              <a:extLst>
+                <a:ext uri="{FF2B5EF4-FFF2-40B4-BE49-F238E27FC236}">
+                  <a16:creationId xmlns:a16="http://schemas.microsoft.com/office/drawing/2014/main" id="{589A4B66-1488-84CB-5EB1-9423CBFBC64B}"/>
+                </a:ext>
+              </a:extLst>
+            </p:cNvPr>
+            <p:cNvSpPr txBox="1"/>
+            <p:nvPr/>
+          </p:nvSpPr>
+          <p:spPr>
+            <a:xfrm>
+              <a:off x="9348050" y="4364780"/>
+              <a:ext cx="858440" cy="369332"/>
+            </a:xfrm>
+            <a:prstGeom prst="rect">
+              <a:avLst/>
+            </a:prstGeom>
+            <a:noFill/>
+          </p:spPr>
+          <p:txBody>
+            <a:bodyPr wrap="none" rtlCol="0">
+              <a:spAutoFit/>
+            </a:bodyPr>
+            <a:lstStyle/>
+            <a:p>
+              <a:r>
+                <a:rPr kumimoji="1" lang="en-US" altLang="zh-TW" dirty="0"/>
+                <a:t>Service</a:t>
+              </a:r>
+              <a:endParaRPr kumimoji="1" lang="zh-TW" altLang="en-US" dirty="0"/>
+            </a:p>
+          </p:txBody>
+        </p:sp>
+        <p:sp>
+          <p:nvSpPr>
+            <p:cNvPr id="7" name="文字方塊 6">
+              <a:extLst>
+                <a:ext uri="{FF2B5EF4-FFF2-40B4-BE49-F238E27FC236}">
+                  <a16:creationId xmlns:a16="http://schemas.microsoft.com/office/drawing/2014/main" id="{83A14DD3-F510-8A2E-5C61-3A206A8AED8D}"/>
+                </a:ext>
+              </a:extLst>
+            </p:cNvPr>
+            <p:cNvSpPr txBox="1"/>
+            <p:nvPr/>
+          </p:nvSpPr>
+          <p:spPr>
+            <a:xfrm>
+              <a:off x="5318983" y="3409056"/>
+              <a:ext cx="2157963" cy="338554"/>
+            </a:xfrm>
+            <a:prstGeom prst="rect">
+              <a:avLst/>
+            </a:prstGeom>
+            <a:noFill/>
+          </p:spPr>
+          <p:txBody>
+            <a:bodyPr wrap="none" rtlCol="0">
+              <a:spAutoFit/>
+            </a:bodyPr>
+            <a:lstStyle/>
+            <a:p>
+              <a:r>
+                <a:rPr kumimoji="1" lang="en-US" altLang="zh-TW" sz="1600" dirty="0">
+                  <a:latin typeface="PingFang SC" panose="020B0400000000000000" pitchFamily="34" charset="-122"/>
+                  <a:ea typeface="PingFang SC" panose="020B0400000000000000" pitchFamily="34" charset="-122"/>
+                </a:rPr>
+                <a:t>AID, one-time-proof</a:t>
+              </a:r>
+              <a:endParaRPr kumimoji="1" lang="zh-TW" altLang="en-US" sz="1600" dirty="0">
+                <a:latin typeface="PingFang SC" panose="020B0400000000000000" pitchFamily="34" charset="-122"/>
+                <a:ea typeface="PingFang SC" panose="020B0400000000000000" pitchFamily="34" charset="-122"/>
+              </a:endParaRPr>
+            </a:p>
+          </p:txBody>
+        </p:sp>
+      </p:grpSp>
     </p:spTree>
     <p:extLst>
       <p:ext uri="{BB962C8B-B14F-4D97-AF65-F5344CB8AC3E}">
         <p14:creationId xmlns:p14="http://schemas.microsoft.com/office/powerpoint/2010/main" val="3746108486"/>
+      </p:ext>
+    </p:extLst>
+  </p:cSld>
+  <p:clrMapOvr>
+    <a:masterClrMapping/>
+  </p:clrMapOvr>
+</p:sld>
+</file>
+
+<file path=ppt/slides/slide16.xml><?xml version="1.0" encoding="utf-8"?>
+<p:sld xmlns:a="http://schemas.openxmlformats.org/drawingml/2006/main" xmlns:r="http://schemas.openxmlformats.org/officeDocument/2006/relationships" xmlns:p="http://schemas.openxmlformats.org/presentationml/2006/main">
+  <p:cSld>
+    <p:spTree>
+      <p:nvGrpSpPr>
+        <p:cNvPr id="1" name=""/>
+        <p:cNvGrpSpPr/>
+        <p:nvPr/>
+      </p:nvGrpSpPr>
+      <p:grpSpPr>
+        <a:xfrm>
+          <a:off x="0" y="0"/>
+          <a:ext cx="0" cy="0"/>
+          <a:chOff x="0" y="0"/>
+          <a:chExt cx="0" cy="0"/>
+        </a:xfrm>
+      </p:grpSpPr>
+      <p:grpSp>
+        <p:nvGrpSpPr>
+          <p:cNvPr id="99" name="群組 98">
+            <a:extLst>
+              <a:ext uri="{FF2B5EF4-FFF2-40B4-BE49-F238E27FC236}">
+                <a16:creationId xmlns:a16="http://schemas.microsoft.com/office/drawing/2014/main" id="{4526E945-5D8A-4C33-F9D4-3AAB600790D6}"/>
+              </a:ext>
+            </a:extLst>
+          </p:cNvPr>
+          <p:cNvGrpSpPr/>
+          <p:nvPr/>
+        </p:nvGrpSpPr>
+        <p:grpSpPr>
+          <a:xfrm>
+            <a:off x="2503597" y="2080517"/>
+            <a:ext cx="8813733" cy="3819106"/>
+            <a:chOff x="2476703" y="2080517"/>
+            <a:chExt cx="8813733" cy="3819106"/>
+          </a:xfrm>
+        </p:grpSpPr>
+        <p:grpSp>
+          <p:nvGrpSpPr>
+            <p:cNvPr id="5" name="群組 4">
+              <a:extLst>
+                <a:ext uri="{FF2B5EF4-FFF2-40B4-BE49-F238E27FC236}">
+                  <a16:creationId xmlns:a16="http://schemas.microsoft.com/office/drawing/2014/main" id="{6E37A0FE-28A4-FC2A-0515-4E3461B5EADF}"/>
+                </a:ext>
+              </a:extLst>
+            </p:cNvPr>
+            <p:cNvGrpSpPr/>
+            <p:nvPr/>
+          </p:nvGrpSpPr>
+          <p:grpSpPr>
+            <a:xfrm>
+              <a:off x="2999301" y="3120418"/>
+              <a:ext cx="977415" cy="1290135"/>
+              <a:chOff x="2665184" y="2971799"/>
+              <a:chExt cx="1019580" cy="1207361"/>
+            </a:xfrm>
+          </p:grpSpPr>
+          <p:pic>
+            <p:nvPicPr>
+              <p:cNvPr id="35" name="圖形 34" descr="使用者 以實心填滿">
+                <a:extLst>
+                  <a:ext uri="{FF2B5EF4-FFF2-40B4-BE49-F238E27FC236}">
+                    <a16:creationId xmlns:a16="http://schemas.microsoft.com/office/drawing/2014/main" id="{1ACE942A-E563-4BA9-63CF-009354236331}"/>
+                  </a:ext>
+                </a:extLst>
+              </p:cNvPr>
+              <p:cNvPicPr>
+                <a:picLocks noChangeAspect="1"/>
+              </p:cNvPicPr>
+              <p:nvPr/>
+            </p:nvPicPr>
+            <p:blipFill>
+              <a:blip r:embed="rId2">
+                <a:extLst>
+                  <a:ext uri="{96DAC541-7B7A-43D3-8B79-37D633B846F1}">
+                    <asvg:svgBlip xmlns:asvg="http://schemas.microsoft.com/office/drawing/2016/SVG/main" r:embed="rId3"/>
+                  </a:ext>
+                </a:extLst>
+              </a:blip>
+              <a:stretch>
+                <a:fillRect/>
+              </a:stretch>
+            </p:blipFill>
+            <p:spPr>
+              <a:xfrm>
+                <a:off x="2724350" y="2971799"/>
+                <a:ext cx="914400" cy="914400"/>
+              </a:xfrm>
+              <a:prstGeom prst="rect">
+                <a:avLst/>
+              </a:prstGeom>
+            </p:spPr>
+          </p:pic>
+          <p:sp>
+            <p:nvSpPr>
+              <p:cNvPr id="36" name="文字方塊 35">
+                <a:extLst>
+                  <a:ext uri="{FF2B5EF4-FFF2-40B4-BE49-F238E27FC236}">
+                    <a16:creationId xmlns:a16="http://schemas.microsoft.com/office/drawing/2014/main" id="{2F112715-3723-0924-198D-1FCB3092BBA8}"/>
+                  </a:ext>
+                </a:extLst>
+              </p:cNvPr>
+              <p:cNvSpPr txBox="1"/>
+              <p:nvPr/>
+            </p:nvSpPr>
+            <p:spPr>
+              <a:xfrm>
+                <a:off x="2665184" y="3768721"/>
+                <a:ext cx="1019580" cy="410439"/>
+              </a:xfrm>
+              <a:prstGeom prst="rect">
+                <a:avLst/>
+              </a:prstGeom>
+              <a:noFill/>
+            </p:spPr>
+            <p:txBody>
+              <a:bodyPr wrap="square" rtlCol="0">
+                <a:spAutoFit/>
+              </a:bodyPr>
+              <a:lstStyle/>
+              <a:p>
+                <a:pPr algn="ctr"/>
+                <a:r>
+                  <a:rPr kumimoji="1" lang="en-US" altLang="zh-TW" sz="1600" dirty="0">
+                    <a:latin typeface="PingFang SC" panose="020B0400000000000000" pitchFamily="34" charset="-122"/>
+                    <a:ea typeface="PingFang SC" panose="020B0400000000000000" pitchFamily="34" charset="-122"/>
+                  </a:rPr>
+                  <a:t>User</a:t>
+                </a:r>
+                <a:endParaRPr kumimoji="1" lang="zh-TW" altLang="en-US" sz="1600" dirty="0">
+                  <a:latin typeface="PingFang SC" panose="020B0400000000000000" pitchFamily="34" charset="-122"/>
+                  <a:ea typeface="PingFang SC" panose="020B0400000000000000" pitchFamily="34" charset="-122"/>
+                </a:endParaRPr>
+              </a:p>
+            </p:txBody>
+          </p:sp>
+        </p:grpSp>
+        <p:grpSp>
+          <p:nvGrpSpPr>
+            <p:cNvPr id="6" name="群組 5">
+              <a:extLst>
+                <a:ext uri="{FF2B5EF4-FFF2-40B4-BE49-F238E27FC236}">
+                  <a16:creationId xmlns:a16="http://schemas.microsoft.com/office/drawing/2014/main" id="{0E179B57-32ED-CC94-726E-4D956207D598}"/>
+                </a:ext>
+              </a:extLst>
+            </p:cNvPr>
+            <p:cNvGrpSpPr/>
+            <p:nvPr/>
+          </p:nvGrpSpPr>
+          <p:grpSpPr>
+            <a:xfrm>
+              <a:off x="7727209" y="2080517"/>
+              <a:ext cx="2531940" cy="1093529"/>
+              <a:chOff x="7629632" y="3120933"/>
+              <a:chExt cx="3258973" cy="1347895"/>
+            </a:xfrm>
+          </p:grpSpPr>
+          <p:grpSp>
+            <p:nvGrpSpPr>
+              <p:cNvPr id="26" name="群組 25">
+                <a:extLst>
+                  <a:ext uri="{FF2B5EF4-FFF2-40B4-BE49-F238E27FC236}">
+                    <a16:creationId xmlns:a16="http://schemas.microsoft.com/office/drawing/2014/main" id="{A4199D62-7C5F-E337-8A29-EE4EB417C8B0}"/>
+                  </a:ext>
+                </a:extLst>
+              </p:cNvPr>
+              <p:cNvGrpSpPr/>
+              <p:nvPr/>
+            </p:nvGrpSpPr>
+            <p:grpSpPr>
+              <a:xfrm>
+                <a:off x="7629632" y="3120933"/>
+                <a:ext cx="3258973" cy="616131"/>
+                <a:chOff x="7435949" y="3183531"/>
+                <a:chExt cx="3258973" cy="616131"/>
+              </a:xfrm>
+            </p:grpSpPr>
+            <p:sp>
+              <p:nvSpPr>
+                <p:cNvPr id="28" name="立方體 27">
+                  <a:extLst>
+                    <a:ext uri="{FF2B5EF4-FFF2-40B4-BE49-F238E27FC236}">
+                      <a16:creationId xmlns:a16="http://schemas.microsoft.com/office/drawing/2014/main" id="{FEFD083D-4589-B66A-8E9B-4FDB6C2CA0B4}"/>
+                    </a:ext>
+                  </a:extLst>
+                </p:cNvPr>
+                <p:cNvSpPr/>
+                <p:nvPr/>
+              </p:nvSpPr>
+              <p:spPr>
+                <a:xfrm>
+                  <a:off x="7435949" y="3183531"/>
+                  <a:ext cx="616131" cy="616131"/>
+                </a:xfrm>
+                <a:prstGeom prst="cube">
+                  <a:avLst/>
+                </a:prstGeom>
+                <a:solidFill>
+                  <a:schemeClr val="bg1"/>
+                </a:solidFill>
+                <a:ln w="31750">
+                  <a:solidFill>
+                    <a:schemeClr val="tx1"/>
+                  </a:solidFill>
+                </a:ln>
+              </p:spPr>
+              <p:style>
+                <a:lnRef idx="2">
+                  <a:schemeClr val="accent3">
+                    <a:shade val="15000"/>
+                  </a:schemeClr>
+                </a:lnRef>
+                <a:fillRef idx="1">
+                  <a:schemeClr val="accent3"/>
+                </a:fillRef>
+                <a:effectRef idx="0">
+                  <a:schemeClr val="accent3"/>
+                </a:effectRef>
+                <a:fontRef idx="minor">
+                  <a:schemeClr val="lt1"/>
+                </a:fontRef>
+              </p:style>
+              <p:txBody>
+                <a:bodyPr rtlCol="0" anchor="ctr"/>
+                <a:lstStyle/>
+                <a:p>
+                  <a:pPr algn="ctr"/>
+                  <a:endParaRPr kumimoji="1" lang="zh-TW" altLang="en-US" dirty="0"/>
+                </a:p>
+              </p:txBody>
+            </p:sp>
+            <p:sp>
+              <p:nvSpPr>
+                <p:cNvPr id="29" name="立方體 28">
+                  <a:extLst>
+                    <a:ext uri="{FF2B5EF4-FFF2-40B4-BE49-F238E27FC236}">
+                      <a16:creationId xmlns:a16="http://schemas.microsoft.com/office/drawing/2014/main" id="{D6DC9DD2-296F-073C-F0DA-6286B5970FD3}"/>
+                    </a:ext>
+                  </a:extLst>
+                </p:cNvPr>
+                <p:cNvSpPr/>
+                <p:nvPr/>
+              </p:nvSpPr>
+              <p:spPr>
+                <a:xfrm>
+                  <a:off x="8316896" y="3183531"/>
+                  <a:ext cx="616131" cy="616131"/>
+                </a:xfrm>
+                <a:prstGeom prst="cube">
+                  <a:avLst/>
+                </a:prstGeom>
+                <a:solidFill>
+                  <a:schemeClr val="bg1"/>
+                </a:solidFill>
+                <a:ln w="31750">
+                  <a:solidFill>
+                    <a:schemeClr val="tx1"/>
+                  </a:solidFill>
+                </a:ln>
+              </p:spPr>
+              <p:style>
+                <a:lnRef idx="2">
+                  <a:schemeClr val="accent3">
+                    <a:shade val="15000"/>
+                  </a:schemeClr>
+                </a:lnRef>
+                <a:fillRef idx="1">
+                  <a:schemeClr val="accent3"/>
+                </a:fillRef>
+                <a:effectRef idx="0">
+                  <a:schemeClr val="accent3"/>
+                </a:effectRef>
+                <a:fontRef idx="minor">
+                  <a:schemeClr val="lt1"/>
+                </a:fontRef>
+              </p:style>
+              <p:txBody>
+                <a:bodyPr rtlCol="0" anchor="ctr"/>
+                <a:lstStyle/>
+                <a:p>
+                  <a:pPr algn="ctr"/>
+                  <a:endParaRPr kumimoji="1" lang="zh-TW" altLang="en-US" dirty="0"/>
+                </a:p>
+              </p:txBody>
+            </p:sp>
+            <p:sp>
+              <p:nvSpPr>
+                <p:cNvPr id="30" name="立方體 29">
+                  <a:extLst>
+                    <a:ext uri="{FF2B5EF4-FFF2-40B4-BE49-F238E27FC236}">
+                      <a16:creationId xmlns:a16="http://schemas.microsoft.com/office/drawing/2014/main" id="{ADB2F611-6866-B2FA-B5E3-66CF17C96373}"/>
+                    </a:ext>
+                  </a:extLst>
+                </p:cNvPr>
+                <p:cNvSpPr/>
+                <p:nvPr/>
+              </p:nvSpPr>
+              <p:spPr>
+                <a:xfrm>
+                  <a:off x="9197844" y="3183531"/>
+                  <a:ext cx="616131" cy="616131"/>
+                </a:xfrm>
+                <a:prstGeom prst="cube">
+                  <a:avLst/>
+                </a:prstGeom>
+                <a:solidFill>
+                  <a:schemeClr val="bg1"/>
+                </a:solidFill>
+                <a:ln w="31750">
+                  <a:solidFill>
+                    <a:schemeClr val="tx1"/>
+                  </a:solidFill>
+                </a:ln>
+              </p:spPr>
+              <p:style>
+                <a:lnRef idx="2">
+                  <a:schemeClr val="accent3">
+                    <a:shade val="15000"/>
+                  </a:schemeClr>
+                </a:lnRef>
+                <a:fillRef idx="1">
+                  <a:schemeClr val="accent3"/>
+                </a:fillRef>
+                <a:effectRef idx="0">
+                  <a:schemeClr val="accent3"/>
+                </a:effectRef>
+                <a:fontRef idx="minor">
+                  <a:schemeClr val="lt1"/>
+                </a:fontRef>
+              </p:style>
+              <p:txBody>
+                <a:bodyPr rtlCol="0" anchor="ctr"/>
+                <a:lstStyle/>
+                <a:p>
+                  <a:pPr algn="ctr"/>
+                  <a:endParaRPr kumimoji="1" lang="zh-TW" altLang="en-US"/>
+                </a:p>
+              </p:txBody>
+            </p:sp>
+            <p:sp>
+              <p:nvSpPr>
+                <p:cNvPr id="31" name="立方體 30">
+                  <a:extLst>
+                    <a:ext uri="{FF2B5EF4-FFF2-40B4-BE49-F238E27FC236}">
+                      <a16:creationId xmlns:a16="http://schemas.microsoft.com/office/drawing/2014/main" id="{FEC89CFC-A15B-66F9-C095-E8B4C76B9404}"/>
+                    </a:ext>
+                  </a:extLst>
+                </p:cNvPr>
+                <p:cNvSpPr/>
+                <p:nvPr/>
+              </p:nvSpPr>
+              <p:spPr>
+                <a:xfrm>
+                  <a:off x="10078791" y="3183531"/>
+                  <a:ext cx="616131" cy="616131"/>
+                </a:xfrm>
+                <a:prstGeom prst="cube">
+                  <a:avLst/>
+                </a:prstGeom>
+                <a:solidFill>
+                  <a:schemeClr val="bg1"/>
+                </a:solidFill>
+                <a:ln w="31750">
+                  <a:solidFill>
+                    <a:schemeClr val="tx1"/>
+                  </a:solidFill>
+                </a:ln>
+              </p:spPr>
+              <p:style>
+                <a:lnRef idx="2">
+                  <a:schemeClr val="accent3">
+                    <a:shade val="15000"/>
+                  </a:schemeClr>
+                </a:lnRef>
+                <a:fillRef idx="1">
+                  <a:schemeClr val="accent3"/>
+                </a:fillRef>
+                <a:effectRef idx="0">
+                  <a:schemeClr val="accent3"/>
+                </a:effectRef>
+                <a:fontRef idx="minor">
+                  <a:schemeClr val="lt1"/>
+                </a:fontRef>
+              </p:style>
+              <p:txBody>
+                <a:bodyPr rtlCol="0" anchor="ctr"/>
+                <a:lstStyle/>
+                <a:p>
+                  <a:pPr algn="ctr"/>
+                  <a:endParaRPr kumimoji="1" lang="zh-TW" altLang="en-US"/>
+                </a:p>
+              </p:txBody>
+            </p:sp>
+            <p:cxnSp>
+              <p:nvCxnSpPr>
+                <p:cNvPr id="32" name="直線接點 31">
+                  <a:extLst>
+                    <a:ext uri="{FF2B5EF4-FFF2-40B4-BE49-F238E27FC236}">
+                      <a16:creationId xmlns:a16="http://schemas.microsoft.com/office/drawing/2014/main" id="{7596E574-A1AC-26F2-074A-61EE5F5CE91B}"/>
+                    </a:ext>
+                  </a:extLst>
+                </p:cNvPr>
+                <p:cNvCxnSpPr>
+                  <a:cxnSpLocks/>
+                  <a:stCxn id="28" idx="4"/>
+                  <a:endCxn id="29" idx="2"/>
+                </p:cNvCxnSpPr>
+                <p:nvPr/>
+              </p:nvCxnSpPr>
+              <p:spPr>
+                <a:xfrm>
+                  <a:off x="7898047" y="3568613"/>
+                  <a:ext cx="418849" cy="0"/>
+                </a:xfrm>
+                <a:prstGeom prst="line">
+                  <a:avLst/>
+                </a:prstGeom>
+                <a:solidFill>
+                  <a:schemeClr val="bg1"/>
+                </a:solidFill>
+                <a:ln w="31750">
+                  <a:solidFill>
+                    <a:schemeClr val="tx1"/>
+                  </a:solidFill>
+                </a:ln>
+              </p:spPr>
+              <p:style>
+                <a:lnRef idx="1">
+                  <a:schemeClr val="accent3"/>
+                </a:lnRef>
+                <a:fillRef idx="0">
+                  <a:schemeClr val="accent3"/>
+                </a:fillRef>
+                <a:effectRef idx="0">
+                  <a:schemeClr val="accent3"/>
+                </a:effectRef>
+                <a:fontRef idx="minor">
+                  <a:schemeClr val="tx1"/>
+                </a:fontRef>
+              </p:style>
+            </p:cxnSp>
+            <p:cxnSp>
+              <p:nvCxnSpPr>
+                <p:cNvPr id="33" name="直線接點 32">
+                  <a:extLst>
+                    <a:ext uri="{FF2B5EF4-FFF2-40B4-BE49-F238E27FC236}">
+                      <a16:creationId xmlns:a16="http://schemas.microsoft.com/office/drawing/2014/main" id="{3AE2F51F-4256-2A35-70EE-41CF98AC04EA}"/>
+                    </a:ext>
+                  </a:extLst>
+                </p:cNvPr>
+                <p:cNvCxnSpPr>
+                  <a:cxnSpLocks/>
+                </p:cNvCxnSpPr>
+                <p:nvPr/>
+              </p:nvCxnSpPr>
+              <p:spPr>
+                <a:xfrm>
+                  <a:off x="8787484" y="3568613"/>
+                  <a:ext cx="418849" cy="0"/>
+                </a:xfrm>
+                <a:prstGeom prst="line">
+                  <a:avLst/>
+                </a:prstGeom>
+                <a:solidFill>
+                  <a:schemeClr val="bg1"/>
+                </a:solidFill>
+                <a:ln w="31750">
+                  <a:solidFill>
+                    <a:schemeClr val="tx1"/>
+                  </a:solidFill>
+                </a:ln>
+              </p:spPr>
+              <p:style>
+                <a:lnRef idx="1">
+                  <a:schemeClr val="accent3"/>
+                </a:lnRef>
+                <a:fillRef idx="0">
+                  <a:schemeClr val="accent3"/>
+                </a:fillRef>
+                <a:effectRef idx="0">
+                  <a:schemeClr val="accent3"/>
+                </a:effectRef>
+                <a:fontRef idx="minor">
+                  <a:schemeClr val="tx1"/>
+                </a:fontRef>
+              </p:style>
+            </p:cxnSp>
+            <p:cxnSp>
+              <p:nvCxnSpPr>
+                <p:cNvPr id="34" name="直線接點 33">
+                  <a:extLst>
+                    <a:ext uri="{FF2B5EF4-FFF2-40B4-BE49-F238E27FC236}">
+                      <a16:creationId xmlns:a16="http://schemas.microsoft.com/office/drawing/2014/main" id="{40FBA48A-C2A1-0515-6FA7-CCB51789B480}"/>
+                    </a:ext>
+                  </a:extLst>
+                </p:cNvPr>
+                <p:cNvCxnSpPr>
+                  <a:cxnSpLocks/>
+                </p:cNvCxnSpPr>
+                <p:nvPr/>
+              </p:nvCxnSpPr>
+              <p:spPr>
+                <a:xfrm>
+                  <a:off x="9659942" y="3568613"/>
+                  <a:ext cx="418849" cy="0"/>
+                </a:xfrm>
+                <a:prstGeom prst="line">
+                  <a:avLst/>
+                </a:prstGeom>
+                <a:solidFill>
+                  <a:schemeClr val="bg1"/>
+                </a:solidFill>
+                <a:ln w="31750">
+                  <a:solidFill>
+                    <a:schemeClr val="tx1"/>
+                  </a:solidFill>
+                </a:ln>
+              </p:spPr>
+              <p:style>
+                <a:lnRef idx="1">
+                  <a:schemeClr val="accent3"/>
+                </a:lnRef>
+                <a:fillRef idx="0">
+                  <a:schemeClr val="accent3"/>
+                </a:fillRef>
+                <a:effectRef idx="0">
+                  <a:schemeClr val="accent3"/>
+                </a:effectRef>
+                <a:fontRef idx="minor">
+                  <a:schemeClr val="tx1"/>
+                </a:fontRef>
+              </p:style>
+            </p:cxnSp>
+          </p:grpSp>
+          <p:sp>
+            <p:nvSpPr>
+              <p:cNvPr id="27" name="文字方塊 26">
+                <a:extLst>
+                  <a:ext uri="{FF2B5EF4-FFF2-40B4-BE49-F238E27FC236}">
+                    <a16:creationId xmlns:a16="http://schemas.microsoft.com/office/drawing/2014/main" id="{3B392E90-5CA8-6FA6-9EB3-31171DA8262D}"/>
+                  </a:ext>
+                </a:extLst>
+              </p:cNvPr>
+              <p:cNvSpPr txBox="1"/>
+              <p:nvPr/>
+            </p:nvSpPr>
+            <p:spPr>
+              <a:xfrm>
+                <a:off x="8510578" y="3928232"/>
+                <a:ext cx="1953517" cy="540596"/>
+              </a:xfrm>
+              <a:prstGeom prst="rect">
+                <a:avLst/>
+              </a:prstGeom>
+              <a:noFill/>
+            </p:spPr>
+            <p:txBody>
+              <a:bodyPr wrap="none" rtlCol="0">
+                <a:spAutoFit/>
+              </a:bodyPr>
+              <a:lstStyle/>
+              <a:p>
+                <a:r>
+                  <a:rPr kumimoji="1" lang="en-US" altLang="zh-TW" sz="1600" dirty="0">
+                    <a:latin typeface="PingFang SC" panose="020B0400000000000000" pitchFamily="34" charset="-122"/>
+                    <a:ea typeface="PingFang SC" panose="020B0400000000000000" pitchFamily="34" charset="-122"/>
+                  </a:rPr>
+                  <a:t>Blockchain</a:t>
+                </a:r>
+                <a:endParaRPr kumimoji="1" lang="zh-TW" altLang="en-US" sz="1600" dirty="0">
+                  <a:latin typeface="PingFang SC" panose="020B0400000000000000" pitchFamily="34" charset="-122"/>
+                  <a:ea typeface="PingFang SC" panose="020B0400000000000000" pitchFamily="34" charset="-122"/>
+                </a:endParaRPr>
+              </a:p>
+            </p:txBody>
+          </p:sp>
+        </p:grpSp>
+        <p:grpSp>
+          <p:nvGrpSpPr>
+            <p:cNvPr id="7" name="群組 6">
+              <a:extLst>
+                <a:ext uri="{FF2B5EF4-FFF2-40B4-BE49-F238E27FC236}">
+                  <a16:creationId xmlns:a16="http://schemas.microsoft.com/office/drawing/2014/main" id="{5EB84E9D-9D86-89DD-14EB-CB35352B129A}"/>
+                </a:ext>
+              </a:extLst>
+            </p:cNvPr>
+            <p:cNvGrpSpPr/>
+            <p:nvPr/>
+          </p:nvGrpSpPr>
+          <p:grpSpPr>
+            <a:xfrm>
+              <a:off x="7780999" y="4487353"/>
+              <a:ext cx="1458135" cy="1412270"/>
+              <a:chOff x="5380766" y="4353187"/>
+              <a:chExt cx="1483112" cy="1342300"/>
+            </a:xfrm>
+          </p:grpSpPr>
+          <p:pic>
+            <p:nvPicPr>
+              <p:cNvPr id="24" name="圖片 23">
+                <a:extLst>
+                  <a:ext uri="{FF2B5EF4-FFF2-40B4-BE49-F238E27FC236}">
+                    <a16:creationId xmlns:a16="http://schemas.microsoft.com/office/drawing/2014/main" id="{F3B06C0B-3CED-8F73-B941-546860A55E08}"/>
+                  </a:ext>
+                </a:extLst>
+              </p:cNvPr>
+              <p:cNvPicPr>
+                <a:picLocks noChangeAspect="1"/>
+              </p:cNvPicPr>
+              <p:nvPr/>
+            </p:nvPicPr>
+            <p:blipFill>
+              <a:blip r:embed="rId4"/>
+              <a:stretch>
+                <a:fillRect/>
+              </a:stretch>
+            </p:blipFill>
+            <p:spPr>
+              <a:xfrm>
+                <a:off x="5475219" y="4353187"/>
+                <a:ext cx="945197" cy="945197"/>
+              </a:xfrm>
+              <a:prstGeom prst="rect">
+                <a:avLst/>
+              </a:prstGeom>
+            </p:spPr>
+          </p:pic>
+          <p:sp>
+            <p:nvSpPr>
+              <p:cNvPr id="25" name="文字方塊 24">
+                <a:extLst>
+                  <a:ext uri="{FF2B5EF4-FFF2-40B4-BE49-F238E27FC236}">
+                    <a16:creationId xmlns:a16="http://schemas.microsoft.com/office/drawing/2014/main" id="{523D8B0E-56B9-0465-01EA-DA0A2AF2A0B3}"/>
+                  </a:ext>
+                </a:extLst>
+              </p:cNvPr>
+              <p:cNvSpPr txBox="1"/>
+              <p:nvPr/>
+            </p:nvSpPr>
+            <p:spPr>
+              <a:xfrm>
+                <a:off x="5380766" y="5316533"/>
+                <a:ext cx="1483112" cy="378954"/>
+              </a:xfrm>
+              <a:prstGeom prst="rect">
+                <a:avLst/>
+              </a:prstGeom>
+              <a:noFill/>
+            </p:spPr>
+            <p:txBody>
+              <a:bodyPr wrap="none" rtlCol="0">
+                <a:spAutoFit/>
+              </a:bodyPr>
+              <a:lstStyle/>
+              <a:p>
+                <a:r>
+                  <a:rPr kumimoji="1" lang="en-US" altLang="zh-TW" sz="1400" dirty="0"/>
+                  <a:t>Other Service</a:t>
+                </a:r>
+                <a:endParaRPr kumimoji="1" lang="zh-TW" altLang="en-US" sz="1400" dirty="0"/>
+              </a:p>
+            </p:txBody>
+          </p:sp>
+        </p:grpSp>
+        <p:cxnSp>
+          <p:nvCxnSpPr>
+            <p:cNvPr id="9" name="曲線接點 26">
+              <a:extLst>
+                <a:ext uri="{FF2B5EF4-FFF2-40B4-BE49-F238E27FC236}">
+                  <a16:creationId xmlns:a16="http://schemas.microsoft.com/office/drawing/2014/main" id="{C41F4C6A-8F1F-BA74-CA67-F99D30384D1A}"/>
+                </a:ext>
+              </a:extLst>
+            </p:cNvPr>
+            <p:cNvCxnSpPr>
+              <a:cxnSpLocks/>
+              <a:stCxn id="36" idx="2"/>
+              <a:endCxn id="35" idx="0"/>
+            </p:cNvCxnSpPr>
+            <p:nvPr/>
+          </p:nvCxnSpPr>
+          <p:spPr>
+            <a:xfrm rot="5400000" flipH="1" flipV="1">
+              <a:off x="2846092" y="3762334"/>
+              <a:ext cx="1290135" cy="6305"/>
+            </a:xfrm>
+            <a:prstGeom prst="bentConnector5">
+              <a:avLst>
+                <a:gd name="adj1" fmla="val -17719"/>
+                <a:gd name="adj2" fmla="val -14356717"/>
+                <a:gd name="adj3" fmla="val 117719"/>
+              </a:avLst>
+            </a:prstGeom>
+            <a:ln w="28575">
+              <a:solidFill>
+                <a:schemeClr val="tx1"/>
+              </a:solidFill>
+              <a:tailEnd type="triangle"/>
+            </a:ln>
+          </p:spPr>
+          <p:style>
+            <a:lnRef idx="1">
+              <a:schemeClr val="dk1"/>
+            </a:lnRef>
+            <a:fillRef idx="0">
+              <a:schemeClr val="dk1"/>
+            </a:fillRef>
+            <a:effectRef idx="0">
+              <a:schemeClr val="dk1"/>
+            </a:effectRef>
+            <a:fontRef idx="minor">
+              <a:schemeClr val="tx1"/>
+            </a:fontRef>
+          </p:style>
+        </p:cxnSp>
+        <p:cxnSp>
+          <p:nvCxnSpPr>
+            <p:cNvPr id="12" name="直線箭頭接點 66">
+              <a:extLst>
+                <a:ext uri="{FF2B5EF4-FFF2-40B4-BE49-F238E27FC236}">
+                  <a16:creationId xmlns:a16="http://schemas.microsoft.com/office/drawing/2014/main" id="{18C67B52-674E-B012-4E70-BEB7493FB31C}"/>
+                </a:ext>
+              </a:extLst>
+            </p:cNvPr>
+            <p:cNvCxnSpPr>
+              <a:cxnSpLocks/>
+            </p:cNvCxnSpPr>
+            <p:nvPr/>
+          </p:nvCxnSpPr>
+          <p:spPr>
+            <a:xfrm flipV="1">
+              <a:off x="3926299" y="2404511"/>
+              <a:ext cx="3595170" cy="1360975"/>
+            </a:xfrm>
+            <a:prstGeom prst="bentConnector3">
+              <a:avLst>
+                <a:gd name="adj1" fmla="val 34789"/>
+              </a:avLst>
+            </a:prstGeom>
+            <a:ln w="28575" cap="flat">
+              <a:solidFill>
+                <a:schemeClr val="tx1"/>
+              </a:solidFill>
+              <a:tailEnd type="triangle"/>
+            </a:ln>
+          </p:spPr>
+          <p:style>
+            <a:lnRef idx="1">
+              <a:schemeClr val="dk1"/>
+            </a:lnRef>
+            <a:fillRef idx="0">
+              <a:schemeClr val="dk1"/>
+            </a:fillRef>
+            <a:effectRef idx="0">
+              <a:schemeClr val="dk1"/>
+            </a:effectRef>
+            <a:fontRef idx="minor">
+              <a:schemeClr val="tx1"/>
+            </a:fontRef>
+          </p:style>
+        </p:cxnSp>
+        <p:sp>
+          <p:nvSpPr>
+            <p:cNvPr id="15" name="文字方塊 14">
+              <a:extLst>
+                <a:ext uri="{FF2B5EF4-FFF2-40B4-BE49-F238E27FC236}">
+                  <a16:creationId xmlns:a16="http://schemas.microsoft.com/office/drawing/2014/main" id="{8BA34826-026C-3286-083A-BC2DDE24BB18}"/>
+                </a:ext>
+              </a:extLst>
+            </p:cNvPr>
+            <p:cNvSpPr txBox="1"/>
+            <p:nvPr/>
+          </p:nvSpPr>
+          <p:spPr>
+            <a:xfrm>
+              <a:off x="2476703" y="2396450"/>
+              <a:ext cx="2022733" cy="461665"/>
+            </a:xfrm>
+            <a:prstGeom prst="rect">
+              <a:avLst/>
+            </a:prstGeom>
+            <a:noFill/>
+          </p:spPr>
+          <p:txBody>
+            <a:bodyPr wrap="square">
+              <a:spAutoFit/>
+            </a:bodyPr>
+            <a:lstStyle/>
+            <a:p>
+              <a:pPr marL="228600" indent="-228600">
+                <a:buAutoNum type="arabicPeriod"/>
+              </a:pPr>
+              <a:r>
+                <a:rPr lang="zh-TW" altLang="en-US" sz="1200" dirty="0">
+                  <a:solidFill>
+                    <a:schemeClr val="tx1">
+                      <a:lumMod val="65000"/>
+                      <a:lumOff val="35000"/>
+                    </a:schemeClr>
+                  </a:solidFill>
+                  <a:latin typeface="PingFang SC" panose="020B0400000000000000" pitchFamily="34" charset="-122"/>
+                  <a:ea typeface="PingFang SC" panose="020B0400000000000000" pitchFamily="34" charset="-122"/>
+                </a:rPr>
+                <a:t>生成</a:t>
+              </a:r>
+              <a:r>
+                <a:rPr lang="en-US" altLang="zh-TW" sz="1200" dirty="0">
+                  <a:solidFill>
+                    <a:schemeClr val="tx1">
+                      <a:lumMod val="65000"/>
+                      <a:lumOff val="35000"/>
+                    </a:schemeClr>
+                  </a:solidFill>
+                  <a:latin typeface="PingFang SC" panose="020B0400000000000000" pitchFamily="34" charset="-122"/>
+                  <a:ea typeface="PingFang SC" panose="020B0400000000000000" pitchFamily="34" charset="-122"/>
+                </a:rPr>
+                <a:t>UUID</a:t>
+              </a:r>
+            </a:p>
+            <a:p>
+              <a:pPr marL="228600" indent="-228600">
+                <a:buAutoNum type="arabicPeriod"/>
+              </a:pPr>
+              <a:r>
+                <a:rPr lang="zh-TW" altLang="en-US" sz="1200" dirty="0">
+                  <a:solidFill>
+                    <a:schemeClr val="tx1">
+                      <a:lumMod val="65000"/>
+                      <a:lumOff val="35000"/>
+                    </a:schemeClr>
+                  </a:solidFill>
+                  <a:latin typeface="PingFang SC" panose="020B0400000000000000" pitchFamily="34" charset="-122"/>
+                  <a:ea typeface="PingFang SC" panose="020B0400000000000000" pitchFamily="34" charset="-122"/>
+                </a:rPr>
+                <a:t>生成憑證</a:t>
+              </a:r>
+              <a:r>
+                <a:rPr lang="en-US" altLang="zh-TW" sz="1200" dirty="0">
+                  <a:solidFill>
+                    <a:schemeClr val="tx1">
+                      <a:lumMod val="65000"/>
+                      <a:lumOff val="35000"/>
+                    </a:schemeClr>
+                  </a:solidFill>
+                  <a:latin typeface="PingFang SC" panose="020B0400000000000000" pitchFamily="34" charset="-122"/>
+                  <a:ea typeface="PingFang SC" panose="020B0400000000000000" pitchFamily="34" charset="-122"/>
+                </a:rPr>
+                <a:t> </a:t>
+              </a:r>
+              <a:endParaRPr lang="zh-TW" altLang="en-US" sz="1200" dirty="0">
+                <a:solidFill>
+                  <a:schemeClr val="tx1">
+                    <a:lumMod val="65000"/>
+                    <a:lumOff val="35000"/>
+                  </a:schemeClr>
+                </a:solidFill>
+                <a:latin typeface="PingFang SC" panose="020B0400000000000000" pitchFamily="34" charset="-122"/>
+                <a:ea typeface="PingFang SC" panose="020B0400000000000000" pitchFamily="34" charset="-122"/>
+              </a:endParaRPr>
+            </a:p>
+          </p:txBody>
+        </p:sp>
+        <p:sp>
+          <p:nvSpPr>
+            <p:cNvPr id="16" name="文字方塊 15">
+              <a:extLst>
+                <a:ext uri="{FF2B5EF4-FFF2-40B4-BE49-F238E27FC236}">
+                  <a16:creationId xmlns:a16="http://schemas.microsoft.com/office/drawing/2014/main" id="{93EDEA29-60D0-87E5-4328-BD8BD39CF704}"/>
+                </a:ext>
+              </a:extLst>
+            </p:cNvPr>
+            <p:cNvSpPr txBox="1"/>
+            <p:nvPr/>
+          </p:nvSpPr>
+          <p:spPr>
+            <a:xfrm>
+              <a:off x="5178654" y="2115930"/>
+              <a:ext cx="2443146" cy="276999"/>
+            </a:xfrm>
+            <a:prstGeom prst="rect">
+              <a:avLst/>
+            </a:prstGeom>
+            <a:noFill/>
+          </p:spPr>
+          <p:txBody>
+            <a:bodyPr wrap="square">
+              <a:spAutoFit/>
+            </a:bodyPr>
+            <a:lstStyle/>
+            <a:p>
+              <a:r>
+                <a:rPr lang="en-US" altLang="zh-TW" sz="1200" dirty="0">
+                  <a:solidFill>
+                    <a:schemeClr val="tx1">
+                      <a:lumMod val="65000"/>
+                      <a:lumOff val="35000"/>
+                    </a:schemeClr>
+                  </a:solidFill>
+                  <a:latin typeface="PingFang SC" panose="020B0400000000000000" pitchFamily="34" charset="-122"/>
+                  <a:ea typeface="PingFang SC" panose="020B0400000000000000" pitchFamily="34" charset="-122"/>
+                </a:rPr>
+                <a:t>3.</a:t>
+              </a:r>
+              <a:r>
+                <a:rPr lang="zh-TW" altLang="en-US" sz="1200" dirty="0">
+                  <a:solidFill>
+                    <a:schemeClr val="tx1">
+                      <a:lumMod val="65000"/>
+                      <a:lumOff val="35000"/>
+                    </a:schemeClr>
+                  </a:solidFill>
+                  <a:latin typeface="PingFang SC" panose="020B0400000000000000" pitchFamily="34" charset="-122"/>
+                  <a:ea typeface="PingFang SC" panose="020B0400000000000000" pitchFamily="34" charset="-122"/>
+                </a:rPr>
+                <a:t> </a:t>
+              </a:r>
+              <a:r>
+                <a:rPr lang="en-US" altLang="zh-TW" sz="1200" dirty="0">
+                  <a:solidFill>
+                    <a:schemeClr val="tx1">
+                      <a:lumMod val="65000"/>
+                      <a:lumOff val="35000"/>
+                    </a:schemeClr>
+                  </a:solidFill>
+                  <a:latin typeface="PingFang SC" panose="020B0400000000000000" pitchFamily="34" charset="-122"/>
+                  <a:ea typeface="PingFang SC" panose="020B0400000000000000" pitchFamily="34" charset="-122"/>
+                </a:rPr>
+                <a:t>UUID </a:t>
+              </a:r>
+              <a:r>
+                <a:rPr lang="zh-TW" altLang="en-US" sz="1200" dirty="0">
+                  <a:solidFill>
+                    <a:schemeClr val="tx1">
+                      <a:lumMod val="65000"/>
+                      <a:lumOff val="35000"/>
+                    </a:schemeClr>
+                  </a:solidFill>
+                  <a:latin typeface="PingFang SC" panose="020B0400000000000000" pitchFamily="34" charset="-122"/>
+                  <a:ea typeface="PingFang SC" panose="020B0400000000000000" pitchFamily="34" charset="-122"/>
+                </a:rPr>
+                <a:t>與憑證雜湊上鏈</a:t>
+              </a:r>
+              <a:endParaRPr lang="en-US" altLang="zh-TW" sz="1200" dirty="0">
+                <a:solidFill>
+                  <a:schemeClr val="tx1">
+                    <a:lumMod val="65000"/>
+                    <a:lumOff val="35000"/>
+                  </a:schemeClr>
+                </a:solidFill>
+                <a:latin typeface="PingFang SC" panose="020B0400000000000000" pitchFamily="34" charset="-122"/>
+                <a:ea typeface="PingFang SC" panose="020B0400000000000000" pitchFamily="34" charset="-122"/>
+              </a:endParaRPr>
+            </a:p>
+          </p:txBody>
+        </p:sp>
+        <p:sp>
+          <p:nvSpPr>
+            <p:cNvPr id="18" name="文字方塊 17">
+              <a:extLst>
+                <a:ext uri="{FF2B5EF4-FFF2-40B4-BE49-F238E27FC236}">
+                  <a16:creationId xmlns:a16="http://schemas.microsoft.com/office/drawing/2014/main" id="{DBA066F7-BFA5-C51F-A825-61844091DB3B}"/>
+                </a:ext>
+              </a:extLst>
+            </p:cNvPr>
+            <p:cNvSpPr txBox="1"/>
+            <p:nvPr/>
+          </p:nvSpPr>
+          <p:spPr>
+            <a:xfrm>
+              <a:off x="5178654" y="5169629"/>
+              <a:ext cx="1321899" cy="276999"/>
+            </a:xfrm>
+            <a:prstGeom prst="rect">
+              <a:avLst/>
+            </a:prstGeom>
+            <a:noFill/>
+          </p:spPr>
+          <p:txBody>
+            <a:bodyPr wrap="square">
+              <a:spAutoFit/>
+            </a:bodyPr>
+            <a:lstStyle/>
+            <a:p>
+              <a:r>
+                <a:rPr lang="en-US" altLang="zh-TW" sz="1200" dirty="0">
+                  <a:solidFill>
+                    <a:schemeClr val="tx1">
+                      <a:lumMod val="65000"/>
+                      <a:lumOff val="35000"/>
+                    </a:schemeClr>
+                  </a:solidFill>
+                  <a:latin typeface="PingFang SC" panose="020B0400000000000000" pitchFamily="34" charset="-122"/>
+                  <a:ea typeface="PingFang SC" panose="020B0400000000000000" pitchFamily="34" charset="-122"/>
+                </a:rPr>
+                <a:t>4. </a:t>
+              </a:r>
+              <a:r>
+                <a:rPr lang="zh-TW" altLang="en-US" sz="1200" dirty="0">
+                  <a:solidFill>
+                    <a:schemeClr val="tx1">
+                      <a:lumMod val="65000"/>
+                      <a:lumOff val="35000"/>
+                    </a:schemeClr>
+                  </a:solidFill>
+                  <a:latin typeface="PingFang SC" panose="020B0400000000000000" pitchFamily="34" charset="-122"/>
+                  <a:ea typeface="PingFang SC" panose="020B0400000000000000" pitchFamily="34" charset="-122"/>
+                </a:rPr>
+                <a:t>傳入憑證</a:t>
+              </a:r>
+            </a:p>
+          </p:txBody>
+        </p:sp>
+        <p:sp>
+          <p:nvSpPr>
+            <p:cNvPr id="19" name="文字方塊 18">
+              <a:extLst>
+                <a:ext uri="{FF2B5EF4-FFF2-40B4-BE49-F238E27FC236}">
+                  <a16:creationId xmlns:a16="http://schemas.microsoft.com/office/drawing/2014/main" id="{5156614F-8AC9-7FDB-0560-81F48B10E53A}"/>
+                </a:ext>
+              </a:extLst>
+            </p:cNvPr>
+            <p:cNvSpPr txBox="1"/>
+            <p:nvPr/>
+          </p:nvSpPr>
+          <p:spPr>
+            <a:xfrm>
+              <a:off x="8841975" y="5153357"/>
+              <a:ext cx="2448461" cy="276999"/>
+            </a:xfrm>
+            <a:prstGeom prst="rect">
+              <a:avLst/>
+            </a:prstGeom>
+            <a:noFill/>
+          </p:spPr>
+          <p:txBody>
+            <a:bodyPr wrap="square">
+              <a:spAutoFit/>
+            </a:bodyPr>
+            <a:lstStyle/>
+            <a:p>
+              <a:r>
+                <a:rPr lang="en-US" altLang="zh-TW" sz="1200" dirty="0">
+                  <a:solidFill>
+                    <a:schemeClr val="tx1">
+                      <a:lumMod val="65000"/>
+                      <a:lumOff val="35000"/>
+                    </a:schemeClr>
+                  </a:solidFill>
+                  <a:latin typeface="PingFang SC" panose="020B0400000000000000" pitchFamily="34" charset="-122"/>
+                  <a:ea typeface="PingFang SC" panose="020B0400000000000000" pitchFamily="34" charset="-122"/>
+                </a:rPr>
+                <a:t>5. </a:t>
+              </a:r>
+              <a:r>
+                <a:rPr lang="zh-TW" altLang="en-US" sz="1200" dirty="0">
+                  <a:solidFill>
+                    <a:schemeClr val="tx1">
+                      <a:lumMod val="65000"/>
+                      <a:lumOff val="35000"/>
+                    </a:schemeClr>
+                  </a:solidFill>
+                  <a:latin typeface="PingFang SC" panose="020B0400000000000000" pitchFamily="34" charset="-122"/>
+                  <a:ea typeface="PingFang SC" panose="020B0400000000000000" pitchFamily="34" charset="-122"/>
+                </a:rPr>
+                <a:t>確認憑證正確</a:t>
+              </a:r>
+            </a:p>
+          </p:txBody>
+        </p:sp>
+        <p:sp>
+          <p:nvSpPr>
+            <p:cNvPr id="21" name="文字方塊 20">
+              <a:extLst>
+                <a:ext uri="{FF2B5EF4-FFF2-40B4-BE49-F238E27FC236}">
+                  <a16:creationId xmlns:a16="http://schemas.microsoft.com/office/drawing/2014/main" id="{AC69F532-43EB-D305-FAF3-74FA37ABEC4D}"/>
+                </a:ext>
+              </a:extLst>
+            </p:cNvPr>
+            <p:cNvSpPr txBox="1"/>
+            <p:nvPr/>
+          </p:nvSpPr>
+          <p:spPr>
+            <a:xfrm>
+              <a:off x="5178653" y="5368287"/>
+              <a:ext cx="1760030" cy="276999"/>
+            </a:xfrm>
+            <a:prstGeom prst="rect">
+              <a:avLst/>
+            </a:prstGeom>
+            <a:noFill/>
+          </p:spPr>
+          <p:txBody>
+            <a:bodyPr wrap="square">
+              <a:spAutoFit/>
+            </a:bodyPr>
+            <a:lstStyle/>
+            <a:p>
+              <a:r>
+                <a:rPr lang="en-US" altLang="zh-TW" sz="1200" dirty="0">
+                  <a:solidFill>
+                    <a:schemeClr val="tx1">
+                      <a:lumMod val="65000"/>
+                      <a:lumOff val="35000"/>
+                    </a:schemeClr>
+                  </a:solidFill>
+                  <a:latin typeface="PingFang SC" panose="020B0400000000000000" pitchFamily="34" charset="-122"/>
+                  <a:ea typeface="PingFang SC" panose="020B0400000000000000" pitchFamily="34" charset="-122"/>
+                </a:rPr>
+                <a:t>6. </a:t>
+              </a:r>
+              <a:r>
+                <a:rPr lang="zh-TW" altLang="en-US" sz="1200" dirty="0">
+                  <a:solidFill>
+                    <a:schemeClr val="tx1">
+                      <a:lumMod val="65000"/>
+                      <a:lumOff val="35000"/>
+                    </a:schemeClr>
+                  </a:solidFill>
+                  <a:latin typeface="PingFang SC" panose="020B0400000000000000" pitchFamily="34" charset="-122"/>
+                  <a:ea typeface="PingFang SC" panose="020B0400000000000000" pitchFamily="34" charset="-122"/>
+                </a:rPr>
+                <a:t>按憑證完成身分驗證</a:t>
+              </a:r>
+            </a:p>
+          </p:txBody>
+        </p:sp>
+        <p:cxnSp>
+          <p:nvCxnSpPr>
+            <p:cNvPr id="49" name="直線箭頭接點 66">
+              <a:extLst>
+                <a:ext uri="{FF2B5EF4-FFF2-40B4-BE49-F238E27FC236}">
+                  <a16:creationId xmlns:a16="http://schemas.microsoft.com/office/drawing/2014/main" id="{69E25481-97B9-EA15-B3B6-5D4766654DF4}"/>
+                </a:ext>
+              </a:extLst>
+            </p:cNvPr>
+            <p:cNvCxnSpPr>
+              <a:cxnSpLocks/>
+            </p:cNvCxnSpPr>
+            <p:nvPr/>
+          </p:nvCxnSpPr>
+          <p:spPr>
+            <a:xfrm>
+              <a:off x="3976716" y="3764582"/>
+              <a:ext cx="3645084" cy="1355164"/>
+            </a:xfrm>
+            <a:prstGeom prst="bentConnector3">
+              <a:avLst>
+                <a:gd name="adj1" fmla="val 32784"/>
+              </a:avLst>
+            </a:prstGeom>
+            <a:ln w="28575" cap="flat">
+              <a:solidFill>
+                <a:schemeClr val="tx1"/>
+              </a:solidFill>
+              <a:tailEnd type="triangle"/>
+            </a:ln>
+          </p:spPr>
+          <p:style>
+            <a:lnRef idx="1">
+              <a:schemeClr val="dk1"/>
+            </a:lnRef>
+            <a:fillRef idx="0">
+              <a:schemeClr val="dk1"/>
+            </a:fillRef>
+            <a:effectRef idx="0">
+              <a:schemeClr val="dk1"/>
+            </a:effectRef>
+            <a:fontRef idx="minor">
+              <a:schemeClr val="tx1"/>
+            </a:fontRef>
+          </p:style>
+        </p:cxnSp>
+        <p:cxnSp>
+          <p:nvCxnSpPr>
+            <p:cNvPr id="82" name="曲線接點 26">
+              <a:extLst>
+                <a:ext uri="{FF2B5EF4-FFF2-40B4-BE49-F238E27FC236}">
+                  <a16:creationId xmlns:a16="http://schemas.microsoft.com/office/drawing/2014/main" id="{A1ED8FF4-3AEF-0048-EE96-11939E350FCD}"/>
+                </a:ext>
+              </a:extLst>
+            </p:cNvPr>
+            <p:cNvCxnSpPr>
+              <a:cxnSpLocks/>
+            </p:cNvCxnSpPr>
+            <p:nvPr/>
+          </p:nvCxnSpPr>
+          <p:spPr>
+            <a:xfrm rot="5400000" flipH="1" flipV="1">
+              <a:off x="8221555" y="3359400"/>
+              <a:ext cx="2434158" cy="1096650"/>
+            </a:xfrm>
+            <a:prstGeom prst="bentConnector3">
+              <a:avLst>
+                <a:gd name="adj1" fmla="val 281"/>
+              </a:avLst>
+            </a:prstGeom>
+            <a:ln w="28575">
+              <a:solidFill>
+                <a:schemeClr val="tx1"/>
+              </a:solidFill>
+              <a:tailEnd type="triangle"/>
+            </a:ln>
+          </p:spPr>
+          <p:style>
+            <a:lnRef idx="1">
+              <a:schemeClr val="dk1"/>
+            </a:lnRef>
+            <a:fillRef idx="0">
+              <a:schemeClr val="dk1"/>
+            </a:fillRef>
+            <a:effectRef idx="0">
+              <a:schemeClr val="dk1"/>
+            </a:effectRef>
+            <a:fontRef idx="minor">
+              <a:schemeClr val="tx1"/>
+            </a:fontRef>
+          </p:style>
+        </p:cxnSp>
+      </p:grpSp>
+    </p:spTree>
+    <p:extLst>
+      <p:ext uri="{BB962C8B-B14F-4D97-AF65-F5344CB8AC3E}">
+        <p14:creationId xmlns:p14="http://schemas.microsoft.com/office/powerpoint/2010/main" val="2087653238"/>
+      </p:ext>
+    </p:extLst>
+  </p:cSld>
+  <p:clrMapOvr>
+    <a:masterClrMapping/>
+  </p:clrMapOvr>
+</p:sld>
+</file>
+
+<file path=ppt/slides/slide17.xml><?xml version="1.0" encoding="utf-8"?>
+<p:sld xmlns:a="http://schemas.openxmlformats.org/drawingml/2006/main" xmlns:r="http://schemas.openxmlformats.org/officeDocument/2006/relationships" xmlns:p="http://schemas.openxmlformats.org/presentationml/2006/main">
+  <p:cSld>
+    <p:spTree>
+      <p:nvGrpSpPr>
+        <p:cNvPr id="1" name=""/>
+        <p:cNvGrpSpPr/>
+        <p:nvPr/>
+      </p:nvGrpSpPr>
+      <p:grpSpPr>
+        <a:xfrm>
+          <a:off x="0" y="0"/>
+          <a:ext cx="0" cy="0"/>
+          <a:chOff x="0" y="0"/>
+          <a:chExt cx="0" cy="0"/>
+        </a:xfrm>
+      </p:grpSpPr>
+      <p:grpSp>
+        <p:nvGrpSpPr>
+          <p:cNvPr id="51" name="群組 50">
+            <a:extLst>
+              <a:ext uri="{FF2B5EF4-FFF2-40B4-BE49-F238E27FC236}">
+                <a16:creationId xmlns:a16="http://schemas.microsoft.com/office/drawing/2014/main" id="{EF4F520E-A6D5-FC83-CF9D-797E24972ECB}"/>
+              </a:ext>
+            </a:extLst>
+          </p:cNvPr>
+          <p:cNvGrpSpPr/>
+          <p:nvPr/>
+        </p:nvGrpSpPr>
+        <p:grpSpPr>
+          <a:xfrm>
+            <a:off x="2201443" y="1388502"/>
+            <a:ext cx="7605945" cy="4501310"/>
+            <a:chOff x="2497278" y="3064902"/>
+            <a:chExt cx="6246267" cy="3454330"/>
+          </a:xfrm>
+        </p:grpSpPr>
+        <p:grpSp>
+          <p:nvGrpSpPr>
+            <p:cNvPr id="15" name="群組 14">
+              <a:extLst>
+                <a:ext uri="{FF2B5EF4-FFF2-40B4-BE49-F238E27FC236}">
+                  <a16:creationId xmlns:a16="http://schemas.microsoft.com/office/drawing/2014/main" id="{7D477C5C-A9EB-129A-A02E-E2BB207A86BC}"/>
+                </a:ext>
+              </a:extLst>
+            </p:cNvPr>
+            <p:cNvGrpSpPr/>
+            <p:nvPr/>
+          </p:nvGrpSpPr>
+          <p:grpSpPr>
+            <a:xfrm>
+              <a:off x="2497278" y="5112204"/>
+              <a:ext cx="977415" cy="1290135"/>
+              <a:chOff x="2665184" y="2971799"/>
+              <a:chExt cx="1019580" cy="1207361"/>
+            </a:xfrm>
+          </p:grpSpPr>
+          <p:pic>
+            <p:nvPicPr>
+              <p:cNvPr id="38" name="圖形 37" descr="使用者 以實心填滿">
+                <a:extLst>
+                  <a:ext uri="{FF2B5EF4-FFF2-40B4-BE49-F238E27FC236}">
+                    <a16:creationId xmlns:a16="http://schemas.microsoft.com/office/drawing/2014/main" id="{AE9B05FB-E071-78E9-26E8-69C9C9716CAF}"/>
+                  </a:ext>
+                </a:extLst>
+              </p:cNvPr>
+              <p:cNvPicPr>
+                <a:picLocks noChangeAspect="1"/>
+              </p:cNvPicPr>
+              <p:nvPr/>
+            </p:nvPicPr>
+            <p:blipFill>
+              <a:blip r:embed="rId2">
+                <a:extLst>
+                  <a:ext uri="{96DAC541-7B7A-43D3-8B79-37D633B846F1}">
+                    <asvg:svgBlip xmlns:asvg="http://schemas.microsoft.com/office/drawing/2016/SVG/main" r:embed="rId3"/>
+                  </a:ext>
+                </a:extLst>
+              </a:blip>
+              <a:stretch>
+                <a:fillRect/>
+              </a:stretch>
+            </p:blipFill>
+            <p:spPr>
+              <a:xfrm>
+                <a:off x="2724350" y="2971799"/>
+                <a:ext cx="914400" cy="914400"/>
+              </a:xfrm>
+              <a:prstGeom prst="rect">
+                <a:avLst/>
+              </a:prstGeom>
+            </p:spPr>
+          </p:pic>
+          <p:sp>
+            <p:nvSpPr>
+              <p:cNvPr id="39" name="文字方塊 38">
+                <a:extLst>
+                  <a:ext uri="{FF2B5EF4-FFF2-40B4-BE49-F238E27FC236}">
+                    <a16:creationId xmlns:a16="http://schemas.microsoft.com/office/drawing/2014/main" id="{901BDA54-2BBB-5CF0-1A0A-F55277D48EAF}"/>
+                  </a:ext>
+                </a:extLst>
+              </p:cNvPr>
+              <p:cNvSpPr txBox="1"/>
+              <p:nvPr/>
+            </p:nvSpPr>
+            <p:spPr>
+              <a:xfrm>
+                <a:off x="2665184" y="3768721"/>
+                <a:ext cx="1019580" cy="410439"/>
+              </a:xfrm>
+              <a:prstGeom prst="rect">
+                <a:avLst/>
+              </a:prstGeom>
+              <a:noFill/>
+            </p:spPr>
+            <p:txBody>
+              <a:bodyPr wrap="square" rtlCol="0">
+                <a:spAutoFit/>
+              </a:bodyPr>
+              <a:lstStyle/>
+              <a:p>
+                <a:pPr algn="ctr"/>
+                <a:r>
+                  <a:rPr kumimoji="1" lang="en-US" altLang="zh-TW" sz="1600" dirty="0">
+                    <a:latin typeface="PingFang SC" panose="020B0400000000000000" pitchFamily="34" charset="-122"/>
+                    <a:ea typeface="PingFang SC" panose="020B0400000000000000" pitchFamily="34" charset="-122"/>
+                  </a:rPr>
+                  <a:t>User</a:t>
+                </a:r>
+                <a:endParaRPr kumimoji="1" lang="zh-TW" altLang="en-US" sz="1600" dirty="0">
+                  <a:latin typeface="PingFang SC" panose="020B0400000000000000" pitchFamily="34" charset="-122"/>
+                  <a:ea typeface="PingFang SC" panose="020B0400000000000000" pitchFamily="34" charset="-122"/>
+                </a:endParaRPr>
+              </a:p>
+            </p:txBody>
+          </p:sp>
+        </p:grpSp>
+        <p:grpSp>
+          <p:nvGrpSpPr>
+            <p:cNvPr id="16" name="群組 15">
+              <a:extLst>
+                <a:ext uri="{FF2B5EF4-FFF2-40B4-BE49-F238E27FC236}">
+                  <a16:creationId xmlns:a16="http://schemas.microsoft.com/office/drawing/2014/main" id="{113024B3-3C6E-1E8E-C386-49E36AEAB2CE}"/>
+                </a:ext>
+              </a:extLst>
+            </p:cNvPr>
+            <p:cNvGrpSpPr/>
+            <p:nvPr/>
+          </p:nvGrpSpPr>
+          <p:grpSpPr>
+            <a:xfrm>
+              <a:off x="4084365" y="3064902"/>
+              <a:ext cx="2531940" cy="1093529"/>
+              <a:chOff x="7629632" y="3120933"/>
+              <a:chExt cx="3258973" cy="1347895"/>
+            </a:xfrm>
+          </p:grpSpPr>
+          <p:grpSp>
+            <p:nvGrpSpPr>
+              <p:cNvPr id="29" name="群組 28">
+                <a:extLst>
+                  <a:ext uri="{FF2B5EF4-FFF2-40B4-BE49-F238E27FC236}">
+                    <a16:creationId xmlns:a16="http://schemas.microsoft.com/office/drawing/2014/main" id="{BBAAA266-E8B6-C38E-BFE3-785A2B091706}"/>
+                  </a:ext>
+                </a:extLst>
+              </p:cNvPr>
+              <p:cNvGrpSpPr/>
+              <p:nvPr/>
+            </p:nvGrpSpPr>
+            <p:grpSpPr>
+              <a:xfrm>
+                <a:off x="7629632" y="3120933"/>
+                <a:ext cx="3258973" cy="616131"/>
+                <a:chOff x="7435949" y="3183531"/>
+                <a:chExt cx="3258973" cy="616131"/>
+              </a:xfrm>
+            </p:grpSpPr>
+            <p:sp>
+              <p:nvSpPr>
+                <p:cNvPr id="31" name="立方體 30">
+                  <a:extLst>
+                    <a:ext uri="{FF2B5EF4-FFF2-40B4-BE49-F238E27FC236}">
+                      <a16:creationId xmlns:a16="http://schemas.microsoft.com/office/drawing/2014/main" id="{8B0B4483-7AAB-AA38-907F-088CB5451A4A}"/>
+                    </a:ext>
+                  </a:extLst>
+                </p:cNvPr>
+                <p:cNvSpPr/>
+                <p:nvPr/>
+              </p:nvSpPr>
+              <p:spPr>
+                <a:xfrm>
+                  <a:off x="7435949" y="3183531"/>
+                  <a:ext cx="616131" cy="616131"/>
+                </a:xfrm>
+                <a:prstGeom prst="cube">
+                  <a:avLst/>
+                </a:prstGeom>
+                <a:solidFill>
+                  <a:schemeClr val="bg1"/>
+                </a:solidFill>
+                <a:ln w="31750">
+                  <a:solidFill>
+                    <a:schemeClr val="tx1"/>
+                  </a:solidFill>
+                </a:ln>
+              </p:spPr>
+              <p:style>
+                <a:lnRef idx="2">
+                  <a:schemeClr val="accent3">
+                    <a:shade val="15000"/>
+                  </a:schemeClr>
+                </a:lnRef>
+                <a:fillRef idx="1">
+                  <a:schemeClr val="accent3"/>
+                </a:fillRef>
+                <a:effectRef idx="0">
+                  <a:schemeClr val="accent3"/>
+                </a:effectRef>
+                <a:fontRef idx="minor">
+                  <a:schemeClr val="lt1"/>
+                </a:fontRef>
+              </p:style>
+              <p:txBody>
+                <a:bodyPr rtlCol="0" anchor="ctr"/>
+                <a:lstStyle/>
+                <a:p>
+                  <a:pPr algn="ctr"/>
+                  <a:endParaRPr kumimoji="1" lang="zh-TW" altLang="en-US" dirty="0"/>
+                </a:p>
+              </p:txBody>
+            </p:sp>
+            <p:sp>
+              <p:nvSpPr>
+                <p:cNvPr id="32" name="立方體 31">
+                  <a:extLst>
+                    <a:ext uri="{FF2B5EF4-FFF2-40B4-BE49-F238E27FC236}">
+                      <a16:creationId xmlns:a16="http://schemas.microsoft.com/office/drawing/2014/main" id="{7B0C92FB-A01F-F7F5-E5F3-9321498CFEB3}"/>
+                    </a:ext>
+                  </a:extLst>
+                </p:cNvPr>
+                <p:cNvSpPr/>
+                <p:nvPr/>
+              </p:nvSpPr>
+              <p:spPr>
+                <a:xfrm>
+                  <a:off x="8316896" y="3183531"/>
+                  <a:ext cx="616131" cy="616131"/>
+                </a:xfrm>
+                <a:prstGeom prst="cube">
+                  <a:avLst/>
+                </a:prstGeom>
+                <a:solidFill>
+                  <a:schemeClr val="bg1"/>
+                </a:solidFill>
+                <a:ln w="31750">
+                  <a:solidFill>
+                    <a:schemeClr val="tx1"/>
+                  </a:solidFill>
+                </a:ln>
+              </p:spPr>
+              <p:style>
+                <a:lnRef idx="2">
+                  <a:schemeClr val="accent3">
+                    <a:shade val="15000"/>
+                  </a:schemeClr>
+                </a:lnRef>
+                <a:fillRef idx="1">
+                  <a:schemeClr val="accent3"/>
+                </a:fillRef>
+                <a:effectRef idx="0">
+                  <a:schemeClr val="accent3"/>
+                </a:effectRef>
+                <a:fontRef idx="minor">
+                  <a:schemeClr val="lt1"/>
+                </a:fontRef>
+              </p:style>
+              <p:txBody>
+                <a:bodyPr rtlCol="0" anchor="ctr"/>
+                <a:lstStyle/>
+                <a:p>
+                  <a:pPr algn="ctr"/>
+                  <a:endParaRPr kumimoji="1" lang="zh-TW" altLang="en-US" dirty="0"/>
+                </a:p>
+              </p:txBody>
+            </p:sp>
+            <p:sp>
+              <p:nvSpPr>
+                <p:cNvPr id="33" name="立方體 32">
+                  <a:extLst>
+                    <a:ext uri="{FF2B5EF4-FFF2-40B4-BE49-F238E27FC236}">
+                      <a16:creationId xmlns:a16="http://schemas.microsoft.com/office/drawing/2014/main" id="{E5B010AD-9741-8956-5B54-1C5CA26FC5A5}"/>
+                    </a:ext>
+                  </a:extLst>
+                </p:cNvPr>
+                <p:cNvSpPr/>
+                <p:nvPr/>
+              </p:nvSpPr>
+              <p:spPr>
+                <a:xfrm>
+                  <a:off x="9197844" y="3183531"/>
+                  <a:ext cx="616131" cy="616131"/>
+                </a:xfrm>
+                <a:prstGeom prst="cube">
+                  <a:avLst/>
+                </a:prstGeom>
+                <a:solidFill>
+                  <a:schemeClr val="bg1"/>
+                </a:solidFill>
+                <a:ln w="31750">
+                  <a:solidFill>
+                    <a:schemeClr val="tx1"/>
+                  </a:solidFill>
+                </a:ln>
+              </p:spPr>
+              <p:style>
+                <a:lnRef idx="2">
+                  <a:schemeClr val="accent3">
+                    <a:shade val="15000"/>
+                  </a:schemeClr>
+                </a:lnRef>
+                <a:fillRef idx="1">
+                  <a:schemeClr val="accent3"/>
+                </a:fillRef>
+                <a:effectRef idx="0">
+                  <a:schemeClr val="accent3"/>
+                </a:effectRef>
+                <a:fontRef idx="minor">
+                  <a:schemeClr val="lt1"/>
+                </a:fontRef>
+              </p:style>
+              <p:txBody>
+                <a:bodyPr rtlCol="0" anchor="ctr"/>
+                <a:lstStyle/>
+                <a:p>
+                  <a:pPr algn="ctr"/>
+                  <a:endParaRPr kumimoji="1" lang="zh-TW" altLang="en-US"/>
+                </a:p>
+              </p:txBody>
+            </p:sp>
+            <p:sp>
+              <p:nvSpPr>
+                <p:cNvPr id="34" name="立方體 33">
+                  <a:extLst>
+                    <a:ext uri="{FF2B5EF4-FFF2-40B4-BE49-F238E27FC236}">
+                      <a16:creationId xmlns:a16="http://schemas.microsoft.com/office/drawing/2014/main" id="{D18FAF88-3481-BC71-B3A9-9BAEF17EF66F}"/>
+                    </a:ext>
+                  </a:extLst>
+                </p:cNvPr>
+                <p:cNvSpPr/>
+                <p:nvPr/>
+              </p:nvSpPr>
+              <p:spPr>
+                <a:xfrm>
+                  <a:off x="10078791" y="3183531"/>
+                  <a:ext cx="616131" cy="616131"/>
+                </a:xfrm>
+                <a:prstGeom prst="cube">
+                  <a:avLst/>
+                </a:prstGeom>
+                <a:solidFill>
+                  <a:schemeClr val="bg1"/>
+                </a:solidFill>
+                <a:ln w="31750">
+                  <a:solidFill>
+                    <a:schemeClr val="tx1"/>
+                  </a:solidFill>
+                </a:ln>
+              </p:spPr>
+              <p:style>
+                <a:lnRef idx="2">
+                  <a:schemeClr val="accent3">
+                    <a:shade val="15000"/>
+                  </a:schemeClr>
+                </a:lnRef>
+                <a:fillRef idx="1">
+                  <a:schemeClr val="accent3"/>
+                </a:fillRef>
+                <a:effectRef idx="0">
+                  <a:schemeClr val="accent3"/>
+                </a:effectRef>
+                <a:fontRef idx="minor">
+                  <a:schemeClr val="lt1"/>
+                </a:fontRef>
+              </p:style>
+              <p:txBody>
+                <a:bodyPr rtlCol="0" anchor="ctr"/>
+                <a:lstStyle/>
+                <a:p>
+                  <a:pPr algn="ctr"/>
+                  <a:endParaRPr kumimoji="1" lang="zh-TW" altLang="en-US"/>
+                </a:p>
+              </p:txBody>
+            </p:sp>
+            <p:cxnSp>
+              <p:nvCxnSpPr>
+                <p:cNvPr id="35" name="直線接點 34">
+                  <a:extLst>
+                    <a:ext uri="{FF2B5EF4-FFF2-40B4-BE49-F238E27FC236}">
+                      <a16:creationId xmlns:a16="http://schemas.microsoft.com/office/drawing/2014/main" id="{DDBF5553-3410-30D0-5980-78808EC31D2C}"/>
+                    </a:ext>
+                  </a:extLst>
+                </p:cNvPr>
+                <p:cNvCxnSpPr>
+                  <a:cxnSpLocks/>
+                  <a:stCxn id="31" idx="4"/>
+                  <a:endCxn id="32" idx="2"/>
+                </p:cNvCxnSpPr>
+                <p:nvPr/>
+              </p:nvCxnSpPr>
+              <p:spPr>
+                <a:xfrm>
+                  <a:off x="7898047" y="3568613"/>
+                  <a:ext cx="418849" cy="0"/>
+                </a:xfrm>
+                <a:prstGeom prst="line">
+                  <a:avLst/>
+                </a:prstGeom>
+                <a:solidFill>
+                  <a:schemeClr val="bg1"/>
+                </a:solidFill>
+                <a:ln w="31750">
+                  <a:solidFill>
+                    <a:schemeClr val="tx1"/>
+                  </a:solidFill>
+                </a:ln>
+              </p:spPr>
+              <p:style>
+                <a:lnRef idx="1">
+                  <a:schemeClr val="accent3"/>
+                </a:lnRef>
+                <a:fillRef idx="0">
+                  <a:schemeClr val="accent3"/>
+                </a:fillRef>
+                <a:effectRef idx="0">
+                  <a:schemeClr val="accent3"/>
+                </a:effectRef>
+                <a:fontRef idx="minor">
+                  <a:schemeClr val="tx1"/>
+                </a:fontRef>
+              </p:style>
+            </p:cxnSp>
+            <p:cxnSp>
+              <p:nvCxnSpPr>
+                <p:cNvPr id="36" name="直線接點 35">
+                  <a:extLst>
+                    <a:ext uri="{FF2B5EF4-FFF2-40B4-BE49-F238E27FC236}">
+                      <a16:creationId xmlns:a16="http://schemas.microsoft.com/office/drawing/2014/main" id="{E37D8D89-5B88-712D-E880-CFFE4E79AC20}"/>
+                    </a:ext>
+                  </a:extLst>
+                </p:cNvPr>
+                <p:cNvCxnSpPr>
+                  <a:cxnSpLocks/>
+                </p:cNvCxnSpPr>
+                <p:nvPr/>
+              </p:nvCxnSpPr>
+              <p:spPr>
+                <a:xfrm>
+                  <a:off x="8787484" y="3568613"/>
+                  <a:ext cx="418849" cy="0"/>
+                </a:xfrm>
+                <a:prstGeom prst="line">
+                  <a:avLst/>
+                </a:prstGeom>
+                <a:solidFill>
+                  <a:schemeClr val="bg1"/>
+                </a:solidFill>
+                <a:ln w="31750">
+                  <a:solidFill>
+                    <a:schemeClr val="tx1"/>
+                  </a:solidFill>
+                </a:ln>
+              </p:spPr>
+              <p:style>
+                <a:lnRef idx="1">
+                  <a:schemeClr val="accent3"/>
+                </a:lnRef>
+                <a:fillRef idx="0">
+                  <a:schemeClr val="accent3"/>
+                </a:fillRef>
+                <a:effectRef idx="0">
+                  <a:schemeClr val="accent3"/>
+                </a:effectRef>
+                <a:fontRef idx="minor">
+                  <a:schemeClr val="tx1"/>
+                </a:fontRef>
+              </p:style>
+            </p:cxnSp>
+            <p:cxnSp>
+              <p:nvCxnSpPr>
+                <p:cNvPr id="37" name="直線接點 36">
+                  <a:extLst>
+                    <a:ext uri="{FF2B5EF4-FFF2-40B4-BE49-F238E27FC236}">
+                      <a16:creationId xmlns:a16="http://schemas.microsoft.com/office/drawing/2014/main" id="{420E8355-130B-B36A-1A80-423E35CD7510}"/>
+                    </a:ext>
+                  </a:extLst>
+                </p:cNvPr>
+                <p:cNvCxnSpPr>
+                  <a:cxnSpLocks/>
+                </p:cNvCxnSpPr>
+                <p:nvPr/>
+              </p:nvCxnSpPr>
+              <p:spPr>
+                <a:xfrm>
+                  <a:off x="9659942" y="3568613"/>
+                  <a:ext cx="418849" cy="0"/>
+                </a:xfrm>
+                <a:prstGeom prst="line">
+                  <a:avLst/>
+                </a:prstGeom>
+                <a:solidFill>
+                  <a:schemeClr val="bg1"/>
+                </a:solidFill>
+                <a:ln w="31750">
+                  <a:solidFill>
+                    <a:schemeClr val="tx1"/>
+                  </a:solidFill>
+                </a:ln>
+              </p:spPr>
+              <p:style>
+                <a:lnRef idx="1">
+                  <a:schemeClr val="accent3"/>
+                </a:lnRef>
+                <a:fillRef idx="0">
+                  <a:schemeClr val="accent3"/>
+                </a:fillRef>
+                <a:effectRef idx="0">
+                  <a:schemeClr val="accent3"/>
+                </a:effectRef>
+                <a:fontRef idx="minor">
+                  <a:schemeClr val="tx1"/>
+                </a:fontRef>
+              </p:style>
+            </p:cxnSp>
+          </p:grpSp>
+          <p:sp>
+            <p:nvSpPr>
+              <p:cNvPr id="30" name="文字方塊 29">
+                <a:extLst>
+                  <a:ext uri="{FF2B5EF4-FFF2-40B4-BE49-F238E27FC236}">
+                    <a16:creationId xmlns:a16="http://schemas.microsoft.com/office/drawing/2014/main" id="{95A76617-E729-3E63-AC39-C121242B2E42}"/>
+                  </a:ext>
+                </a:extLst>
+              </p:cNvPr>
+              <p:cNvSpPr txBox="1"/>
+              <p:nvPr/>
+            </p:nvSpPr>
+            <p:spPr>
+              <a:xfrm>
+                <a:off x="8510578" y="3928232"/>
+                <a:ext cx="1953517" cy="540596"/>
+              </a:xfrm>
+              <a:prstGeom prst="rect">
+                <a:avLst/>
+              </a:prstGeom>
+              <a:noFill/>
+            </p:spPr>
+            <p:txBody>
+              <a:bodyPr wrap="none" rtlCol="0">
+                <a:spAutoFit/>
+              </a:bodyPr>
+              <a:lstStyle/>
+              <a:p>
+                <a:r>
+                  <a:rPr kumimoji="1" lang="en-US" altLang="zh-TW" sz="1600" dirty="0">
+                    <a:latin typeface="PingFang SC" panose="020B0400000000000000" pitchFamily="34" charset="-122"/>
+                    <a:ea typeface="PingFang SC" panose="020B0400000000000000" pitchFamily="34" charset="-122"/>
+                  </a:rPr>
+                  <a:t>Blockchain</a:t>
+                </a:r>
+                <a:endParaRPr kumimoji="1" lang="zh-TW" altLang="en-US" sz="1600" dirty="0">
+                  <a:latin typeface="PingFang SC" panose="020B0400000000000000" pitchFamily="34" charset="-122"/>
+                  <a:ea typeface="PingFang SC" panose="020B0400000000000000" pitchFamily="34" charset="-122"/>
+                </a:endParaRPr>
+              </a:p>
+            </p:txBody>
+          </p:sp>
+        </p:grpSp>
+        <p:grpSp>
+          <p:nvGrpSpPr>
+            <p:cNvPr id="17" name="群組 16">
+              <a:extLst>
+                <a:ext uri="{FF2B5EF4-FFF2-40B4-BE49-F238E27FC236}">
+                  <a16:creationId xmlns:a16="http://schemas.microsoft.com/office/drawing/2014/main" id="{5C9069CB-155F-96E5-0039-B15FDDDC4D7D}"/>
+                </a:ext>
+              </a:extLst>
+            </p:cNvPr>
+            <p:cNvGrpSpPr/>
+            <p:nvPr/>
+          </p:nvGrpSpPr>
+          <p:grpSpPr>
+            <a:xfrm>
+              <a:off x="7285410" y="5106962"/>
+              <a:ext cx="1458135" cy="1412270"/>
+              <a:chOff x="5380766" y="4353187"/>
+              <a:chExt cx="1483112" cy="1342300"/>
+            </a:xfrm>
+          </p:grpSpPr>
+          <p:pic>
+            <p:nvPicPr>
+              <p:cNvPr id="27" name="圖片 26">
+                <a:extLst>
+                  <a:ext uri="{FF2B5EF4-FFF2-40B4-BE49-F238E27FC236}">
+                    <a16:creationId xmlns:a16="http://schemas.microsoft.com/office/drawing/2014/main" id="{B810C6FD-408C-7D2C-52F5-C22907D96487}"/>
+                  </a:ext>
+                </a:extLst>
+              </p:cNvPr>
+              <p:cNvPicPr>
+                <a:picLocks noChangeAspect="1"/>
+              </p:cNvPicPr>
+              <p:nvPr/>
+            </p:nvPicPr>
+            <p:blipFill>
+              <a:blip r:embed="rId4"/>
+              <a:stretch>
+                <a:fillRect/>
+              </a:stretch>
+            </p:blipFill>
+            <p:spPr>
+              <a:xfrm>
+                <a:off x="5475219" y="4353187"/>
+                <a:ext cx="945197" cy="945197"/>
+              </a:xfrm>
+              <a:prstGeom prst="rect">
+                <a:avLst/>
+              </a:prstGeom>
+            </p:spPr>
+          </p:pic>
+          <p:sp>
+            <p:nvSpPr>
+              <p:cNvPr id="28" name="文字方塊 27">
+                <a:extLst>
+                  <a:ext uri="{FF2B5EF4-FFF2-40B4-BE49-F238E27FC236}">
+                    <a16:creationId xmlns:a16="http://schemas.microsoft.com/office/drawing/2014/main" id="{D11F941C-2AB6-8141-008A-E96DC41896B1}"/>
+                  </a:ext>
+                </a:extLst>
+              </p:cNvPr>
+              <p:cNvSpPr txBox="1"/>
+              <p:nvPr/>
+            </p:nvSpPr>
+            <p:spPr>
+              <a:xfrm>
+                <a:off x="5380766" y="5316533"/>
+                <a:ext cx="1483112" cy="378954"/>
+              </a:xfrm>
+              <a:prstGeom prst="rect">
+                <a:avLst/>
+              </a:prstGeom>
+              <a:noFill/>
+            </p:spPr>
+            <p:txBody>
+              <a:bodyPr wrap="none" rtlCol="0">
+                <a:spAutoFit/>
+              </a:bodyPr>
+              <a:lstStyle/>
+              <a:p>
+                <a:r>
+                  <a:rPr kumimoji="1" lang="en-US" altLang="zh-TW" sz="1400" dirty="0"/>
+                  <a:t>Other Service</a:t>
+                </a:r>
+                <a:endParaRPr kumimoji="1" lang="zh-TW" altLang="en-US" sz="1400" dirty="0"/>
+              </a:p>
+            </p:txBody>
+          </p:sp>
+        </p:grpSp>
+        <p:sp>
+          <p:nvSpPr>
+            <p:cNvPr id="20" name="文字方塊 19">
+              <a:extLst>
+                <a:ext uri="{FF2B5EF4-FFF2-40B4-BE49-F238E27FC236}">
+                  <a16:creationId xmlns:a16="http://schemas.microsoft.com/office/drawing/2014/main" id="{EC827DE5-4A1E-1CF9-F5E3-951263AFACA8}"/>
+                </a:ext>
+              </a:extLst>
+            </p:cNvPr>
+            <p:cNvSpPr txBox="1"/>
+            <p:nvPr/>
+          </p:nvSpPr>
+          <p:spPr>
+            <a:xfrm>
+              <a:off x="4448225" y="5076622"/>
+              <a:ext cx="2022733" cy="646331"/>
+            </a:xfrm>
+            <a:prstGeom prst="rect">
+              <a:avLst/>
+            </a:prstGeom>
+            <a:noFill/>
+          </p:spPr>
+          <p:txBody>
+            <a:bodyPr wrap="square">
+              <a:spAutoFit/>
+            </a:bodyPr>
+            <a:lstStyle/>
+            <a:p>
+              <a:pPr marL="228600" indent="-228600">
+                <a:buAutoNum type="arabicPeriod"/>
+              </a:pPr>
+              <a:r>
+                <a:rPr lang="zh-TW" altLang="en-US" sz="1200" dirty="0">
+                  <a:solidFill>
+                    <a:schemeClr val="tx1">
+                      <a:lumMod val="65000"/>
+                      <a:lumOff val="35000"/>
+                    </a:schemeClr>
+                  </a:solidFill>
+                  <a:latin typeface="PingFang SC" panose="020B0400000000000000" pitchFamily="34" charset="-122"/>
+                  <a:ea typeface="PingFang SC" panose="020B0400000000000000" pitchFamily="34" charset="-122"/>
+                </a:rPr>
+                <a:t>欲交換數據的雜湊</a:t>
+              </a:r>
+              <a:endParaRPr lang="en-US" altLang="zh-TW" sz="1200" dirty="0">
+                <a:solidFill>
+                  <a:schemeClr val="tx1">
+                    <a:lumMod val="65000"/>
+                    <a:lumOff val="35000"/>
+                  </a:schemeClr>
+                </a:solidFill>
+                <a:latin typeface="PingFang SC" panose="020B0400000000000000" pitchFamily="34" charset="-122"/>
+                <a:ea typeface="PingFang SC" panose="020B0400000000000000" pitchFamily="34" charset="-122"/>
+              </a:endParaRPr>
+            </a:p>
+            <a:p>
+              <a:pPr marL="228600" indent="-228600">
+                <a:buAutoNum type="arabicPeriod" startAt="3"/>
+              </a:pPr>
+              <a:r>
+                <a:rPr lang="zh-TW" altLang="en-US" sz="1200" dirty="0">
+                  <a:solidFill>
+                    <a:schemeClr val="tx1">
+                      <a:lumMod val="65000"/>
+                      <a:lumOff val="35000"/>
+                    </a:schemeClr>
+                  </a:solidFill>
+                  <a:latin typeface="PingFang SC" panose="020B0400000000000000" pitchFamily="34" charset="-122"/>
+                  <a:ea typeface="PingFang SC" panose="020B0400000000000000" pitchFamily="34" charset="-122"/>
+                </a:rPr>
+                <a:t>含雙方簽名的憑證</a:t>
+              </a:r>
+              <a:endParaRPr lang="en-US" altLang="zh-TW" sz="1200" dirty="0">
+                <a:solidFill>
+                  <a:schemeClr val="tx1">
+                    <a:lumMod val="65000"/>
+                    <a:lumOff val="35000"/>
+                  </a:schemeClr>
+                </a:solidFill>
+                <a:latin typeface="PingFang SC" panose="020B0400000000000000" pitchFamily="34" charset="-122"/>
+                <a:ea typeface="PingFang SC" panose="020B0400000000000000" pitchFamily="34" charset="-122"/>
+              </a:endParaRPr>
+            </a:p>
+            <a:p>
+              <a:r>
+                <a:rPr lang="en-US" altLang="zh-TW" sz="1200" dirty="0">
+                  <a:solidFill>
+                    <a:schemeClr val="tx1">
+                      <a:lumMod val="65000"/>
+                      <a:lumOff val="35000"/>
+                    </a:schemeClr>
+                  </a:solidFill>
+                  <a:latin typeface="PingFang SC" panose="020B0400000000000000" pitchFamily="34" charset="-122"/>
+                  <a:ea typeface="PingFang SC" panose="020B0400000000000000" pitchFamily="34" charset="-122"/>
+                </a:rPr>
+                <a:t>6.  </a:t>
+              </a:r>
+              <a:r>
+                <a:rPr lang="zh-TW" altLang="en-US" sz="1200" dirty="0">
+                  <a:solidFill>
+                    <a:schemeClr val="tx1">
+                      <a:lumMod val="65000"/>
+                      <a:lumOff val="35000"/>
+                    </a:schemeClr>
+                  </a:solidFill>
+                  <a:latin typeface="PingFang SC" panose="020B0400000000000000" pitchFamily="34" charset="-122"/>
+                  <a:ea typeface="PingFang SC" panose="020B0400000000000000" pitchFamily="34" charset="-122"/>
+                </a:rPr>
+                <a:t>傳出真實數據</a:t>
+              </a:r>
+              <a:endParaRPr lang="en-US" altLang="zh-TW" sz="1200" dirty="0">
+                <a:solidFill>
+                  <a:schemeClr val="tx1">
+                    <a:lumMod val="65000"/>
+                    <a:lumOff val="35000"/>
+                  </a:schemeClr>
+                </a:solidFill>
+                <a:latin typeface="PingFang SC" panose="020B0400000000000000" pitchFamily="34" charset="-122"/>
+                <a:ea typeface="PingFang SC" panose="020B0400000000000000" pitchFamily="34" charset="-122"/>
+              </a:endParaRPr>
+            </a:p>
+          </p:txBody>
+        </p:sp>
+        <p:sp>
+          <p:nvSpPr>
+            <p:cNvPr id="23" name="文字方塊 22">
+              <a:extLst>
+                <a:ext uri="{FF2B5EF4-FFF2-40B4-BE49-F238E27FC236}">
+                  <a16:creationId xmlns:a16="http://schemas.microsoft.com/office/drawing/2014/main" id="{10218B4E-0472-AD5D-A2E5-3AB038D4E838}"/>
+                </a:ext>
+              </a:extLst>
+            </p:cNvPr>
+            <p:cNvSpPr txBox="1"/>
+            <p:nvPr/>
+          </p:nvSpPr>
+          <p:spPr>
+            <a:xfrm>
+              <a:off x="7283780" y="4192156"/>
+              <a:ext cx="1365273" cy="276999"/>
+            </a:xfrm>
+            <a:prstGeom prst="rect">
+              <a:avLst/>
+            </a:prstGeom>
+            <a:noFill/>
+          </p:spPr>
+          <p:txBody>
+            <a:bodyPr wrap="square">
+              <a:spAutoFit/>
+            </a:bodyPr>
+            <a:lstStyle/>
+            <a:p>
+              <a:r>
+                <a:rPr lang="en-US" altLang="zh-TW" sz="1200" dirty="0">
+                  <a:solidFill>
+                    <a:schemeClr val="tx1">
+                      <a:lumMod val="65000"/>
+                      <a:lumOff val="35000"/>
+                    </a:schemeClr>
+                  </a:solidFill>
+                  <a:latin typeface="PingFang SC" panose="020B0400000000000000" pitchFamily="34" charset="-122"/>
+                  <a:ea typeface="PingFang SC" panose="020B0400000000000000" pitchFamily="34" charset="-122"/>
+                </a:rPr>
+                <a:t>4. </a:t>
+              </a:r>
+              <a:r>
+                <a:rPr lang="zh-TW" altLang="en-US" sz="1200" dirty="0">
+                  <a:solidFill>
+                    <a:schemeClr val="tx1">
+                      <a:lumMod val="65000"/>
+                      <a:lumOff val="35000"/>
+                    </a:schemeClr>
+                  </a:solidFill>
+                  <a:latin typeface="PingFang SC" panose="020B0400000000000000" pitchFamily="34" charset="-122"/>
+                  <a:ea typeface="PingFang SC" panose="020B0400000000000000" pitchFamily="34" charset="-122"/>
+                </a:rPr>
+                <a:t>憑證雜湊上鏈</a:t>
+              </a:r>
+            </a:p>
+          </p:txBody>
+        </p:sp>
+        <p:cxnSp>
+          <p:nvCxnSpPr>
+            <p:cNvPr id="25" name="直線箭頭接點 66">
+              <a:extLst>
+                <a:ext uri="{FF2B5EF4-FFF2-40B4-BE49-F238E27FC236}">
+                  <a16:creationId xmlns:a16="http://schemas.microsoft.com/office/drawing/2014/main" id="{92FEF124-E5E4-36D3-F470-86B523E9A9E0}"/>
+                </a:ext>
+              </a:extLst>
+            </p:cNvPr>
+            <p:cNvCxnSpPr>
+              <a:cxnSpLocks/>
+            </p:cNvCxnSpPr>
+            <p:nvPr/>
+          </p:nvCxnSpPr>
+          <p:spPr>
+            <a:xfrm>
+              <a:off x="3574099" y="5600748"/>
+              <a:ext cx="3552475" cy="0"/>
+            </a:xfrm>
+            <a:prstGeom prst="straightConnector1">
+              <a:avLst/>
+            </a:prstGeom>
+            <a:ln w="28575" cap="flat">
+              <a:solidFill>
+                <a:schemeClr val="tx1"/>
+              </a:solidFill>
+              <a:tailEnd type="triangle"/>
+            </a:ln>
+          </p:spPr>
+          <p:style>
+            <a:lnRef idx="1">
+              <a:schemeClr val="dk1"/>
+            </a:lnRef>
+            <a:fillRef idx="0">
+              <a:schemeClr val="dk1"/>
+            </a:fillRef>
+            <a:effectRef idx="0">
+              <a:schemeClr val="dk1"/>
+            </a:effectRef>
+            <a:fontRef idx="minor">
+              <a:schemeClr val="tx1"/>
+            </a:fontRef>
+          </p:style>
+        </p:cxnSp>
+        <p:cxnSp>
+          <p:nvCxnSpPr>
+            <p:cNvPr id="41" name="直線箭頭接點 66">
+              <a:extLst>
+                <a:ext uri="{FF2B5EF4-FFF2-40B4-BE49-F238E27FC236}">
+                  <a16:creationId xmlns:a16="http://schemas.microsoft.com/office/drawing/2014/main" id="{FAC2A76B-FC23-4F32-0897-E8E06C2073CF}"/>
+                </a:ext>
+              </a:extLst>
+            </p:cNvPr>
+            <p:cNvCxnSpPr>
+              <a:cxnSpLocks/>
+            </p:cNvCxnSpPr>
+            <p:nvPr/>
+          </p:nvCxnSpPr>
+          <p:spPr>
+            <a:xfrm>
+              <a:off x="3574098" y="5896583"/>
+              <a:ext cx="3552475" cy="0"/>
+            </a:xfrm>
+            <a:prstGeom prst="straightConnector1">
+              <a:avLst/>
+            </a:prstGeom>
+            <a:ln w="28575" cap="flat">
+              <a:solidFill>
+                <a:schemeClr val="tx1"/>
+              </a:solidFill>
+              <a:headEnd type="triangle"/>
+              <a:tailEnd type="none"/>
+            </a:ln>
+          </p:spPr>
+          <p:style>
+            <a:lnRef idx="1">
+              <a:schemeClr val="dk1"/>
+            </a:lnRef>
+            <a:fillRef idx="0">
+              <a:schemeClr val="dk1"/>
+            </a:fillRef>
+            <a:effectRef idx="0">
+              <a:schemeClr val="dk1"/>
+            </a:effectRef>
+            <a:fontRef idx="minor">
+              <a:schemeClr val="tx1"/>
+            </a:fontRef>
+          </p:style>
+        </p:cxnSp>
+        <p:sp>
+          <p:nvSpPr>
+            <p:cNvPr id="42" name="文字方塊 41">
+              <a:extLst>
+                <a:ext uri="{FF2B5EF4-FFF2-40B4-BE49-F238E27FC236}">
+                  <a16:creationId xmlns:a16="http://schemas.microsoft.com/office/drawing/2014/main" id="{6FCE3F86-35FD-AFD6-41D9-F7F0CF7A1E50}"/>
+                </a:ext>
+              </a:extLst>
+            </p:cNvPr>
+            <p:cNvSpPr txBox="1"/>
+            <p:nvPr/>
+          </p:nvSpPr>
+          <p:spPr>
+            <a:xfrm>
+              <a:off x="4448225" y="5982024"/>
+              <a:ext cx="2022733" cy="276999"/>
+            </a:xfrm>
+            <a:prstGeom prst="rect">
+              <a:avLst/>
+            </a:prstGeom>
+            <a:noFill/>
+          </p:spPr>
+          <p:txBody>
+            <a:bodyPr wrap="square">
+              <a:spAutoFit/>
+            </a:bodyPr>
+            <a:lstStyle/>
+            <a:p>
+              <a:r>
+                <a:rPr lang="en-US" altLang="zh-TW" sz="1200" dirty="0">
+                  <a:solidFill>
+                    <a:schemeClr val="tx1">
+                      <a:lumMod val="65000"/>
+                      <a:lumOff val="35000"/>
+                    </a:schemeClr>
+                  </a:solidFill>
+                  <a:latin typeface="PingFang SC" panose="020B0400000000000000" pitchFamily="34" charset="-122"/>
+                  <a:ea typeface="PingFang SC" panose="020B0400000000000000" pitchFamily="34" charset="-122"/>
+                </a:rPr>
+                <a:t>2.  </a:t>
+              </a:r>
+              <a:r>
+                <a:rPr lang="zh-TW" altLang="en-US" sz="1200" dirty="0">
+                  <a:solidFill>
+                    <a:schemeClr val="tx1">
+                      <a:lumMod val="65000"/>
+                      <a:lumOff val="35000"/>
+                    </a:schemeClr>
+                  </a:solidFill>
+                  <a:latin typeface="PingFang SC" panose="020B0400000000000000" pitchFamily="34" charset="-122"/>
+                  <a:ea typeface="PingFang SC" panose="020B0400000000000000" pitchFamily="34" charset="-122"/>
+                </a:rPr>
+                <a:t>針對雜湊的簽名</a:t>
+              </a:r>
+              <a:endParaRPr lang="en-US" altLang="zh-TW" sz="1200" dirty="0">
+                <a:solidFill>
+                  <a:schemeClr val="tx1">
+                    <a:lumMod val="65000"/>
+                    <a:lumOff val="35000"/>
+                  </a:schemeClr>
+                </a:solidFill>
+                <a:latin typeface="PingFang SC" panose="020B0400000000000000" pitchFamily="34" charset="-122"/>
+                <a:ea typeface="PingFang SC" panose="020B0400000000000000" pitchFamily="34" charset="-122"/>
+              </a:endParaRPr>
+            </a:p>
+          </p:txBody>
+        </p:sp>
+        <p:cxnSp>
+          <p:nvCxnSpPr>
+            <p:cNvPr id="43" name="直線箭頭接點 66">
+              <a:extLst>
+                <a:ext uri="{FF2B5EF4-FFF2-40B4-BE49-F238E27FC236}">
+                  <a16:creationId xmlns:a16="http://schemas.microsoft.com/office/drawing/2014/main" id="{41B27DF9-A180-F3B5-F879-C0039E6E2D12}"/>
+                </a:ext>
+              </a:extLst>
+            </p:cNvPr>
+            <p:cNvCxnSpPr>
+              <a:cxnSpLocks/>
+            </p:cNvCxnSpPr>
+            <p:nvPr/>
+          </p:nvCxnSpPr>
+          <p:spPr>
+            <a:xfrm>
+              <a:off x="6687671" y="3686117"/>
+              <a:ext cx="1084729" cy="1289079"/>
+            </a:xfrm>
+            <a:prstGeom prst="straightConnector1">
+              <a:avLst/>
+            </a:prstGeom>
+            <a:ln w="28575" cap="flat">
+              <a:solidFill>
+                <a:schemeClr val="tx1"/>
+              </a:solidFill>
+              <a:headEnd type="triangle"/>
+              <a:tailEnd type="none"/>
+            </a:ln>
+          </p:spPr>
+          <p:style>
+            <a:lnRef idx="1">
+              <a:schemeClr val="dk1"/>
+            </a:lnRef>
+            <a:fillRef idx="0">
+              <a:schemeClr val="dk1"/>
+            </a:fillRef>
+            <a:effectRef idx="0">
+              <a:schemeClr val="dk1"/>
+            </a:effectRef>
+            <a:fontRef idx="minor">
+              <a:schemeClr val="tx1"/>
+            </a:fontRef>
+          </p:style>
+        </p:cxnSp>
+        <p:cxnSp>
+          <p:nvCxnSpPr>
+            <p:cNvPr id="47" name="直線箭頭接點 66">
+              <a:extLst>
+                <a:ext uri="{FF2B5EF4-FFF2-40B4-BE49-F238E27FC236}">
+                  <a16:creationId xmlns:a16="http://schemas.microsoft.com/office/drawing/2014/main" id="{762ED14A-991D-D089-0B4C-AFDBC2634C83}"/>
+                </a:ext>
+              </a:extLst>
+            </p:cNvPr>
+            <p:cNvCxnSpPr>
+              <a:cxnSpLocks/>
+            </p:cNvCxnSpPr>
+            <p:nvPr/>
+          </p:nvCxnSpPr>
+          <p:spPr>
+            <a:xfrm flipV="1">
+              <a:off x="2985985" y="3719853"/>
+              <a:ext cx="1098380" cy="1297812"/>
+            </a:xfrm>
+            <a:prstGeom prst="straightConnector1">
+              <a:avLst/>
+            </a:prstGeom>
+            <a:ln w="28575" cap="flat">
+              <a:solidFill>
+                <a:schemeClr val="tx1"/>
+              </a:solidFill>
+              <a:headEnd type="triangle"/>
+              <a:tailEnd type="none"/>
+            </a:ln>
+          </p:spPr>
+          <p:style>
+            <a:lnRef idx="1">
+              <a:schemeClr val="dk1"/>
+            </a:lnRef>
+            <a:fillRef idx="0">
+              <a:schemeClr val="dk1"/>
+            </a:fillRef>
+            <a:effectRef idx="0">
+              <a:schemeClr val="dk1"/>
+            </a:effectRef>
+            <a:fontRef idx="minor">
+              <a:schemeClr val="tx1"/>
+            </a:fontRef>
+          </p:style>
+        </p:cxnSp>
+        <p:sp>
+          <p:nvSpPr>
+            <p:cNvPr id="50" name="文字方塊 49">
+              <a:extLst>
+                <a:ext uri="{FF2B5EF4-FFF2-40B4-BE49-F238E27FC236}">
+                  <a16:creationId xmlns:a16="http://schemas.microsoft.com/office/drawing/2014/main" id="{712A7DF7-CD8B-5DC5-1CB3-43C5F56DF201}"/>
+                </a:ext>
+              </a:extLst>
+            </p:cNvPr>
+            <p:cNvSpPr txBox="1"/>
+            <p:nvPr/>
+          </p:nvSpPr>
+          <p:spPr>
+            <a:xfrm>
+              <a:off x="3586701" y="4202028"/>
+              <a:ext cx="2711824" cy="276999"/>
+            </a:xfrm>
+            <a:prstGeom prst="rect">
+              <a:avLst/>
+            </a:prstGeom>
+            <a:noFill/>
+          </p:spPr>
+          <p:txBody>
+            <a:bodyPr wrap="square">
+              <a:spAutoFit/>
+            </a:bodyPr>
+            <a:lstStyle/>
+            <a:p>
+              <a:r>
+                <a:rPr lang="en-US" altLang="zh-TW" sz="1200" dirty="0">
+                  <a:solidFill>
+                    <a:schemeClr val="tx1">
+                      <a:lumMod val="65000"/>
+                      <a:lumOff val="35000"/>
+                    </a:schemeClr>
+                  </a:solidFill>
+                  <a:latin typeface="PingFang SC" panose="020B0400000000000000" pitchFamily="34" charset="-122"/>
+                  <a:ea typeface="PingFang SC" panose="020B0400000000000000" pitchFamily="34" charset="-122"/>
+                </a:rPr>
+                <a:t>5.  </a:t>
+              </a:r>
+              <a:r>
+                <a:rPr lang="zh-TW" altLang="en-US" sz="1200" dirty="0">
+                  <a:solidFill>
+                    <a:schemeClr val="tx1">
+                      <a:lumMod val="65000"/>
+                      <a:lumOff val="35000"/>
+                    </a:schemeClr>
+                  </a:solidFill>
+                  <a:latin typeface="PingFang SC" panose="020B0400000000000000" pitchFamily="34" charset="-122"/>
+                  <a:ea typeface="PingFang SC" panose="020B0400000000000000" pitchFamily="34" charset="-122"/>
+                </a:rPr>
+                <a:t>確認上鏈結果</a:t>
+              </a:r>
+            </a:p>
+          </p:txBody>
+        </p:sp>
+      </p:grpSp>
+    </p:spTree>
+    <p:extLst>
+      <p:ext uri="{BB962C8B-B14F-4D97-AF65-F5344CB8AC3E}">
+        <p14:creationId xmlns:p14="http://schemas.microsoft.com/office/powerpoint/2010/main" val="855298643"/>
       </p:ext>
     </p:extLst>
   </p:cSld>
